--- a/포트폴리오/Java-MySQL, JavaScript/Java-MySQL - 양화영.pptx
+++ b/포트폴리오/Java-MySQL, JavaScript/Java-MySQL - 양화영.pptx
@@ -9,11 +9,12 @@
     <p:sldId id="266" r:id="rId3"/>
     <p:sldId id="267" r:id="rId4"/>
     <p:sldId id="258" r:id="rId5"/>
-    <p:sldId id="259" r:id="rId6"/>
-    <p:sldId id="260" r:id="rId7"/>
-    <p:sldId id="261" r:id="rId8"/>
-    <p:sldId id="262" r:id="rId9"/>
-    <p:sldId id="265" r:id="rId10"/>
+    <p:sldId id="268" r:id="rId6"/>
+    <p:sldId id="259" r:id="rId7"/>
+    <p:sldId id="260" r:id="rId8"/>
+    <p:sldId id="261" r:id="rId9"/>
+    <p:sldId id="262" r:id="rId10"/>
+    <p:sldId id="265" r:id="rId11"/>
   </p:sldIdLst>
   <p:sldSz cx="12192000" cy="6858000"/>
   <p:notesSz cx="6858000" cy="9144000"/>
@@ -112,11 +113,27 @@
       </a:defRPr>
     </a:lvl9pPr>
   </p:defaultTextStyle>
+  <p:extLst>
+    <p:ext uri="{EFAFB233-063F-42B5-8137-9DF3F51BA10A}">
+      <p15:sldGuideLst xmlns:p15="http://schemas.microsoft.com/office/powerpoint/2012/main">
+        <p15:guide id="1" orient="horz" pos="2160">
+          <p15:clr>
+            <a:srgbClr val="A4A3A4"/>
+          </p15:clr>
+        </p15:guide>
+        <p15:guide id="2" pos="3840">
+          <p15:clr>
+            <a:srgbClr val="A4A3A4"/>
+          </p15:clr>
+        </p15:guide>
+      </p15:sldGuideLst>
+    </p:ext>
+  </p:extLst>
 </p:presentation>
 </file>
 
 <file path=ppt/charts/chart1.xml><?xml version="1.0" encoding="utf-8"?>
-<c:chartSpace xmlns:c="http://schemas.openxmlformats.org/drawingml/2006/chart" xmlns:a="http://schemas.openxmlformats.org/drawingml/2006/main" xmlns:r="http://schemas.openxmlformats.org/officeDocument/2006/relationships">
+<c:chartSpace xmlns:c="http://schemas.openxmlformats.org/drawingml/2006/chart" xmlns:a="http://schemas.openxmlformats.org/drawingml/2006/main" xmlns:r="http://schemas.openxmlformats.org/officeDocument/2006/relationships" xmlns:c16r2="http://schemas.microsoft.com/office/drawing/2015/06/chart">
   <c:date1904 val="0"/>
   <c:lang val="ko-KR"/>
   <c:roundedCorners val="0"/>
@@ -160,6 +177,11 @@
             <c:idx val="5"/>
             <c:invertIfNegative val="0"/>
             <c:bubble3D val="0"/>
+            <c:extLst>
+              <c:ext xmlns:c16="http://schemas.microsoft.com/office/drawing/2014/chart" uri="{C3380CC4-5D6E-409C-BE32-E72D297353CC}">
+                <c16:uniqueId val="{00000000-2534-4AF0-B7D0-D9389DF4985C}"/>
+              </c:ext>
+            </c:extLst>
           </c:dPt>
           <c:dLbls>
             <c:dLbl>
@@ -194,6 +216,11 @@
               <c:showSerName val="0"/>
               <c:showPercent val="0"/>
               <c:showBubbleSize val="0"/>
+              <c:extLst>
+                <c:ext xmlns:c16="http://schemas.microsoft.com/office/drawing/2014/chart" uri="{C3380CC4-5D6E-409C-BE32-E72D297353CC}">
+                  <c16:uniqueId val="{00000000-2534-4AF0-B7D0-D9389DF4985C}"/>
+                </c:ext>
+              </c:extLst>
             </c:dLbl>
             <c:spPr>
               <a:noFill/>
@@ -286,6 +313,11 @@
               </c:numCache>
             </c:numRef>
           </c:val>
+          <c:extLst>
+            <c:ext xmlns:c16="http://schemas.microsoft.com/office/drawing/2014/chart" uri="{C3380CC4-5D6E-409C-BE32-E72D297353CC}">
+              <c16:uniqueId val="{00000001-2534-4AF0-B7D0-D9389DF4985C}"/>
+            </c:ext>
+          </c:extLst>
         </c:ser>
         <c:ser>
           <c:idx val="1"/>
@@ -399,6 +431,11 @@
               </c:numCache>
             </c:numRef>
           </c:val>
+          <c:extLst>
+            <c:ext xmlns:c16="http://schemas.microsoft.com/office/drawing/2014/chart" uri="{C3380CC4-5D6E-409C-BE32-E72D297353CC}">
+              <c16:uniqueId val="{00000002-2534-4AF0-B7D0-D9389DF4985C}"/>
+            </c:ext>
+          </c:extLst>
         </c:ser>
         <c:dLbls>
           <c:dLblPos val="outEnd"/>
@@ -528,7 +565,7 @@
 </file>
 
 <file path=ppt/charts/chart2.xml><?xml version="1.0" encoding="utf-8"?>
-<c:chartSpace xmlns:c="http://schemas.openxmlformats.org/drawingml/2006/chart" xmlns:a="http://schemas.openxmlformats.org/drawingml/2006/main" xmlns:r="http://schemas.openxmlformats.org/officeDocument/2006/relationships">
+<c:chartSpace xmlns:c="http://schemas.openxmlformats.org/drawingml/2006/chart" xmlns:a="http://schemas.openxmlformats.org/drawingml/2006/main" xmlns:r="http://schemas.openxmlformats.org/officeDocument/2006/relationships" xmlns:c16r2="http://schemas.microsoft.com/office/drawing/2015/06/chart">
   <c:date1904 val="0"/>
   <c:lang val="ko-KR"/>
   <c:roundedCorners val="0"/>
@@ -664,6 +701,11 @@
             </c:numRef>
           </c:val>
           <c:smooth val="1"/>
+          <c:extLst>
+            <c:ext xmlns:c16="http://schemas.microsoft.com/office/drawing/2014/chart" uri="{C3380CC4-5D6E-409C-BE32-E72D297353CC}">
+              <c16:uniqueId val="{00000000-9358-4B61-9A35-5286173DD1EF}"/>
+            </c:ext>
+          </c:extLst>
         </c:ser>
         <c:ser>
           <c:idx val="1"/>
@@ -781,6 +823,11 @@
             </c:numRef>
           </c:val>
           <c:smooth val="1"/>
+          <c:extLst>
+            <c:ext xmlns:c16="http://schemas.microsoft.com/office/drawing/2014/chart" uri="{C3380CC4-5D6E-409C-BE32-E72D297353CC}">
+              <c16:uniqueId val="{00000001-9358-4B61-9A35-5286173DD1EF}"/>
+            </c:ext>
+          </c:extLst>
         </c:ser>
         <c:dLbls>
           <c:showLegendKey val="0"/>
@@ -790,7 +837,6 @@
           <c:showPercent val="0"/>
           <c:showBubbleSize val="0"/>
         </c:dLbls>
-        <c:marker val="1"/>
         <c:smooth val="0"/>
         <c:axId val="200885760"/>
         <c:axId val="200887296"/>
@@ -919,7 +965,7 @@
           <p:cNvPr id="2" name="제목 1">
             <a:extLst>
               <a:ext uri="{FF2B5EF4-FFF2-40B4-BE49-F238E27FC236}">
-                <a16:creationId xmlns:a16="http://schemas.microsoft.com/office/drawing/2014/main" xmlns="" id="{EF87A488-C3A1-4384-A7E8-F53C40E46E16}"/>
+                <a16:creationId xmlns:a16="http://schemas.microsoft.com/office/drawing/2014/main" id="{EF87A488-C3A1-4384-A7E8-F53C40E46E16}"/>
               </a:ext>
             </a:extLst>
           </p:cNvPr>
@@ -956,7 +1002,7 @@
           <p:cNvPr id="3" name="부제목 2">
             <a:extLst>
               <a:ext uri="{FF2B5EF4-FFF2-40B4-BE49-F238E27FC236}">
-                <a16:creationId xmlns:a16="http://schemas.microsoft.com/office/drawing/2014/main" xmlns="" id="{EF28C350-8FC3-4A0C-BC61-B856DBD85018}"/>
+                <a16:creationId xmlns:a16="http://schemas.microsoft.com/office/drawing/2014/main" id="{EF28C350-8FC3-4A0C-BC61-B856DBD85018}"/>
               </a:ext>
             </a:extLst>
           </p:cNvPr>
@@ -1026,7 +1072,7 @@
           <p:cNvPr id="4" name="날짜 개체 틀 3">
             <a:extLst>
               <a:ext uri="{FF2B5EF4-FFF2-40B4-BE49-F238E27FC236}">
-                <a16:creationId xmlns:a16="http://schemas.microsoft.com/office/drawing/2014/main" xmlns="" id="{1FFB7719-81FA-4CDD-9DEF-3A8200286989}"/>
+                <a16:creationId xmlns:a16="http://schemas.microsoft.com/office/drawing/2014/main" id="{1FFB7719-81FA-4CDD-9DEF-3A8200286989}"/>
               </a:ext>
             </a:extLst>
           </p:cNvPr>
@@ -1051,7 +1097,7 @@
                 </a:solidFill>
               </a:rPr>
               <a:pPr/>
-              <a:t>2021-05-05</a:t>
+              <a:t>2021-05-07</a:t>
             </a:fld>
             <a:endParaRPr lang="ko-KR" altLang="en-US">
               <a:solidFill>
@@ -1068,7 +1114,7 @@
           <p:cNvPr id="5" name="바닥글 개체 틀 4">
             <a:extLst>
               <a:ext uri="{FF2B5EF4-FFF2-40B4-BE49-F238E27FC236}">
-                <a16:creationId xmlns:a16="http://schemas.microsoft.com/office/drawing/2014/main" xmlns="" id="{C497F2D2-6437-49F7-8A92-3DC7516433D7}"/>
+                <a16:creationId xmlns:a16="http://schemas.microsoft.com/office/drawing/2014/main" id="{C497F2D2-6437-49F7-8A92-3DC7516433D7}"/>
               </a:ext>
             </a:extLst>
           </p:cNvPr>
@@ -1099,7 +1145,7 @@
           <p:cNvPr id="6" name="슬라이드 번호 개체 틀 5">
             <a:extLst>
               <a:ext uri="{FF2B5EF4-FFF2-40B4-BE49-F238E27FC236}">
-                <a16:creationId xmlns:a16="http://schemas.microsoft.com/office/drawing/2014/main" xmlns="" id="{4091EF1A-C335-4173-A5F3-7DE515B60B40}"/>
+                <a16:creationId xmlns:a16="http://schemas.microsoft.com/office/drawing/2014/main" id="{4091EF1A-C335-4173-A5F3-7DE515B60B40}"/>
               </a:ext>
             </a:extLst>
           </p:cNvPr>
@@ -1171,7 +1217,7 @@
           <p:cNvPr id="2" name="제목 1">
             <a:extLst>
               <a:ext uri="{FF2B5EF4-FFF2-40B4-BE49-F238E27FC236}">
-                <a16:creationId xmlns:a16="http://schemas.microsoft.com/office/drawing/2014/main" xmlns="" id="{15417FD9-5192-4255-ABAB-797C6491E5F4}"/>
+                <a16:creationId xmlns:a16="http://schemas.microsoft.com/office/drawing/2014/main" id="{15417FD9-5192-4255-ABAB-797C6491E5F4}"/>
               </a:ext>
             </a:extLst>
           </p:cNvPr>
@@ -1199,7 +1245,7 @@
           <p:cNvPr id="3" name="세로 텍스트 개체 틀 2">
             <a:extLst>
               <a:ext uri="{FF2B5EF4-FFF2-40B4-BE49-F238E27FC236}">
-                <a16:creationId xmlns:a16="http://schemas.microsoft.com/office/drawing/2014/main" xmlns="" id="{DE7123FE-C8C9-4D2C-9EA4-8C43D1B96583}"/>
+                <a16:creationId xmlns:a16="http://schemas.microsoft.com/office/drawing/2014/main" id="{DE7123FE-C8C9-4D2C-9EA4-8C43D1B96583}"/>
               </a:ext>
             </a:extLst>
           </p:cNvPr>
@@ -1256,7 +1302,7 @@
           <p:cNvPr id="4" name="날짜 개체 틀 3">
             <a:extLst>
               <a:ext uri="{FF2B5EF4-FFF2-40B4-BE49-F238E27FC236}">
-                <a16:creationId xmlns:a16="http://schemas.microsoft.com/office/drawing/2014/main" xmlns="" id="{348266A1-164B-4315-B11D-F6D75E404C60}"/>
+                <a16:creationId xmlns:a16="http://schemas.microsoft.com/office/drawing/2014/main" id="{348266A1-164B-4315-B11D-F6D75E404C60}"/>
               </a:ext>
             </a:extLst>
           </p:cNvPr>
@@ -1281,7 +1327,7 @@
                 </a:solidFill>
               </a:rPr>
               <a:pPr/>
-              <a:t>2021-05-05</a:t>
+              <a:t>2021-05-07</a:t>
             </a:fld>
             <a:endParaRPr lang="ko-KR" altLang="en-US">
               <a:solidFill>
@@ -1298,7 +1344,7 @@
           <p:cNvPr id="5" name="바닥글 개체 틀 4">
             <a:extLst>
               <a:ext uri="{FF2B5EF4-FFF2-40B4-BE49-F238E27FC236}">
-                <a16:creationId xmlns:a16="http://schemas.microsoft.com/office/drawing/2014/main" xmlns="" id="{87CE2209-BD16-44B6-BAB5-77823D5AF4E1}"/>
+                <a16:creationId xmlns:a16="http://schemas.microsoft.com/office/drawing/2014/main" id="{87CE2209-BD16-44B6-BAB5-77823D5AF4E1}"/>
               </a:ext>
             </a:extLst>
           </p:cNvPr>
@@ -1329,7 +1375,7 @@
           <p:cNvPr id="6" name="슬라이드 번호 개체 틀 5">
             <a:extLst>
               <a:ext uri="{FF2B5EF4-FFF2-40B4-BE49-F238E27FC236}">
-                <a16:creationId xmlns:a16="http://schemas.microsoft.com/office/drawing/2014/main" xmlns="" id="{96C31DEF-F13D-4F67-A93D-05A8D36B986C}"/>
+                <a16:creationId xmlns:a16="http://schemas.microsoft.com/office/drawing/2014/main" id="{96C31DEF-F13D-4F67-A93D-05A8D36B986C}"/>
               </a:ext>
             </a:extLst>
           </p:cNvPr>
@@ -1401,7 +1447,7 @@
           <p:cNvPr id="2" name="세로 제목 1">
             <a:extLst>
               <a:ext uri="{FF2B5EF4-FFF2-40B4-BE49-F238E27FC236}">
-                <a16:creationId xmlns:a16="http://schemas.microsoft.com/office/drawing/2014/main" xmlns="" id="{0E461DBD-0185-4B85-8E3B-6E51334B4A20}"/>
+                <a16:creationId xmlns:a16="http://schemas.microsoft.com/office/drawing/2014/main" id="{0E461DBD-0185-4B85-8E3B-6E51334B4A20}"/>
               </a:ext>
             </a:extLst>
           </p:cNvPr>
@@ -1434,7 +1480,7 @@
           <p:cNvPr id="3" name="세로 텍스트 개체 틀 2">
             <a:extLst>
               <a:ext uri="{FF2B5EF4-FFF2-40B4-BE49-F238E27FC236}">
-                <a16:creationId xmlns:a16="http://schemas.microsoft.com/office/drawing/2014/main" xmlns="" id="{5130931A-48C5-4F73-8647-55BFCF1158EA}"/>
+                <a16:creationId xmlns:a16="http://schemas.microsoft.com/office/drawing/2014/main" id="{5130931A-48C5-4F73-8647-55BFCF1158EA}"/>
               </a:ext>
             </a:extLst>
           </p:cNvPr>
@@ -1496,7 +1542,7 @@
           <p:cNvPr id="4" name="날짜 개체 틀 3">
             <a:extLst>
               <a:ext uri="{FF2B5EF4-FFF2-40B4-BE49-F238E27FC236}">
-                <a16:creationId xmlns:a16="http://schemas.microsoft.com/office/drawing/2014/main" xmlns="" id="{91769B12-40D2-4B26-A06B-131747F66027}"/>
+                <a16:creationId xmlns:a16="http://schemas.microsoft.com/office/drawing/2014/main" id="{91769B12-40D2-4B26-A06B-131747F66027}"/>
               </a:ext>
             </a:extLst>
           </p:cNvPr>
@@ -1521,7 +1567,7 @@
                 </a:solidFill>
               </a:rPr>
               <a:pPr/>
-              <a:t>2021-05-05</a:t>
+              <a:t>2021-05-07</a:t>
             </a:fld>
             <a:endParaRPr lang="ko-KR" altLang="en-US">
               <a:solidFill>
@@ -1538,7 +1584,7 @@
           <p:cNvPr id="5" name="바닥글 개체 틀 4">
             <a:extLst>
               <a:ext uri="{FF2B5EF4-FFF2-40B4-BE49-F238E27FC236}">
-                <a16:creationId xmlns:a16="http://schemas.microsoft.com/office/drawing/2014/main" xmlns="" id="{2A13785E-B9AF-4310-86CC-430ECCF042A3}"/>
+                <a16:creationId xmlns:a16="http://schemas.microsoft.com/office/drawing/2014/main" id="{2A13785E-B9AF-4310-86CC-430ECCF042A3}"/>
               </a:ext>
             </a:extLst>
           </p:cNvPr>
@@ -1569,7 +1615,7 @@
           <p:cNvPr id="6" name="슬라이드 번호 개체 틀 5">
             <a:extLst>
               <a:ext uri="{FF2B5EF4-FFF2-40B4-BE49-F238E27FC236}">
-                <a16:creationId xmlns:a16="http://schemas.microsoft.com/office/drawing/2014/main" xmlns="" id="{7EF5D287-B45B-4A74-8472-1303D2161141}"/>
+                <a16:creationId xmlns:a16="http://schemas.microsoft.com/office/drawing/2014/main" id="{7EF5D287-B45B-4A74-8472-1303D2161141}"/>
               </a:ext>
             </a:extLst>
           </p:cNvPr>
@@ -1641,7 +1687,7 @@
           <p:cNvPr id="2" name="제목 1">
             <a:extLst>
               <a:ext uri="{FF2B5EF4-FFF2-40B4-BE49-F238E27FC236}">
-                <a16:creationId xmlns:a16="http://schemas.microsoft.com/office/drawing/2014/main" xmlns="" id="{BD929771-A182-41AB-A1A2-510CB95EF649}"/>
+                <a16:creationId xmlns:a16="http://schemas.microsoft.com/office/drawing/2014/main" id="{BD929771-A182-41AB-A1A2-510CB95EF649}"/>
               </a:ext>
             </a:extLst>
           </p:cNvPr>
@@ -1669,7 +1715,7 @@
           <p:cNvPr id="3" name="내용 개체 틀 2">
             <a:extLst>
               <a:ext uri="{FF2B5EF4-FFF2-40B4-BE49-F238E27FC236}">
-                <a16:creationId xmlns:a16="http://schemas.microsoft.com/office/drawing/2014/main" xmlns="" id="{6CD870C2-A8CA-475A-AEF5-E27FE5CF01E5}"/>
+                <a16:creationId xmlns:a16="http://schemas.microsoft.com/office/drawing/2014/main" id="{6CD870C2-A8CA-475A-AEF5-E27FE5CF01E5}"/>
               </a:ext>
             </a:extLst>
           </p:cNvPr>
@@ -1726,7 +1772,7 @@
           <p:cNvPr id="4" name="날짜 개체 틀 3">
             <a:extLst>
               <a:ext uri="{FF2B5EF4-FFF2-40B4-BE49-F238E27FC236}">
-                <a16:creationId xmlns:a16="http://schemas.microsoft.com/office/drawing/2014/main" xmlns="" id="{C160DB16-0B2C-410A-AE97-E32C50A15B8A}"/>
+                <a16:creationId xmlns:a16="http://schemas.microsoft.com/office/drawing/2014/main" id="{C160DB16-0B2C-410A-AE97-E32C50A15B8A}"/>
               </a:ext>
             </a:extLst>
           </p:cNvPr>
@@ -1751,7 +1797,7 @@
                 </a:solidFill>
               </a:rPr>
               <a:pPr/>
-              <a:t>2021-05-05</a:t>
+              <a:t>2021-05-07</a:t>
             </a:fld>
             <a:endParaRPr lang="ko-KR" altLang="en-US">
               <a:solidFill>
@@ -1768,7 +1814,7 @@
           <p:cNvPr id="5" name="바닥글 개체 틀 4">
             <a:extLst>
               <a:ext uri="{FF2B5EF4-FFF2-40B4-BE49-F238E27FC236}">
-                <a16:creationId xmlns:a16="http://schemas.microsoft.com/office/drawing/2014/main" xmlns="" id="{297EC69D-E8AA-4209-8DD7-A0D662839B3F}"/>
+                <a16:creationId xmlns:a16="http://schemas.microsoft.com/office/drawing/2014/main" id="{297EC69D-E8AA-4209-8DD7-A0D662839B3F}"/>
               </a:ext>
             </a:extLst>
           </p:cNvPr>
@@ -1799,7 +1845,7 @@
           <p:cNvPr id="6" name="슬라이드 번호 개체 틀 5">
             <a:extLst>
               <a:ext uri="{FF2B5EF4-FFF2-40B4-BE49-F238E27FC236}">
-                <a16:creationId xmlns:a16="http://schemas.microsoft.com/office/drawing/2014/main" xmlns="" id="{61DEEF3F-148F-4DFC-B074-FF92FCCD8449}"/>
+                <a16:creationId xmlns:a16="http://schemas.microsoft.com/office/drawing/2014/main" id="{61DEEF3F-148F-4DFC-B074-FF92FCCD8449}"/>
               </a:ext>
             </a:extLst>
           </p:cNvPr>
@@ -1871,7 +1917,7 @@
           <p:cNvPr id="2" name="제목 1">
             <a:extLst>
               <a:ext uri="{FF2B5EF4-FFF2-40B4-BE49-F238E27FC236}">
-                <a16:creationId xmlns:a16="http://schemas.microsoft.com/office/drawing/2014/main" xmlns="" id="{C43B4B3B-76EE-450D-8D82-F4C13134E3A2}"/>
+                <a16:creationId xmlns:a16="http://schemas.microsoft.com/office/drawing/2014/main" id="{C43B4B3B-76EE-450D-8D82-F4C13134E3A2}"/>
               </a:ext>
             </a:extLst>
           </p:cNvPr>
@@ -1908,7 +1954,7 @@
           <p:cNvPr id="3" name="텍스트 개체 틀 2">
             <a:extLst>
               <a:ext uri="{FF2B5EF4-FFF2-40B4-BE49-F238E27FC236}">
-                <a16:creationId xmlns:a16="http://schemas.microsoft.com/office/drawing/2014/main" xmlns="" id="{5168AA74-9086-4E9E-96F4-8407375258D0}"/>
+                <a16:creationId xmlns:a16="http://schemas.microsoft.com/office/drawing/2014/main" id="{5168AA74-9086-4E9E-96F4-8407375258D0}"/>
               </a:ext>
             </a:extLst>
           </p:cNvPr>
@@ -2033,7 +2079,7 @@
           <p:cNvPr id="4" name="날짜 개체 틀 3">
             <a:extLst>
               <a:ext uri="{FF2B5EF4-FFF2-40B4-BE49-F238E27FC236}">
-                <a16:creationId xmlns:a16="http://schemas.microsoft.com/office/drawing/2014/main" xmlns="" id="{9807B810-F5FE-4DFC-B825-63A2DFA8651E}"/>
+                <a16:creationId xmlns:a16="http://schemas.microsoft.com/office/drawing/2014/main" id="{9807B810-F5FE-4DFC-B825-63A2DFA8651E}"/>
               </a:ext>
             </a:extLst>
           </p:cNvPr>
@@ -2058,7 +2104,7 @@
                 </a:solidFill>
               </a:rPr>
               <a:pPr/>
-              <a:t>2021-05-05</a:t>
+              <a:t>2021-05-07</a:t>
             </a:fld>
             <a:endParaRPr lang="ko-KR" altLang="en-US">
               <a:solidFill>
@@ -2075,7 +2121,7 @@
           <p:cNvPr id="5" name="바닥글 개체 틀 4">
             <a:extLst>
               <a:ext uri="{FF2B5EF4-FFF2-40B4-BE49-F238E27FC236}">
-                <a16:creationId xmlns:a16="http://schemas.microsoft.com/office/drawing/2014/main" xmlns="" id="{E7469790-52A3-4097-BE5E-DE2DD3B6D0C3}"/>
+                <a16:creationId xmlns:a16="http://schemas.microsoft.com/office/drawing/2014/main" id="{E7469790-52A3-4097-BE5E-DE2DD3B6D0C3}"/>
               </a:ext>
             </a:extLst>
           </p:cNvPr>
@@ -2106,7 +2152,7 @@
           <p:cNvPr id="6" name="슬라이드 번호 개체 틀 5">
             <a:extLst>
               <a:ext uri="{FF2B5EF4-FFF2-40B4-BE49-F238E27FC236}">
-                <a16:creationId xmlns:a16="http://schemas.microsoft.com/office/drawing/2014/main" xmlns="" id="{1816DDCE-EE7C-46A8-B51F-C19D17B25797}"/>
+                <a16:creationId xmlns:a16="http://schemas.microsoft.com/office/drawing/2014/main" id="{1816DDCE-EE7C-46A8-B51F-C19D17B25797}"/>
               </a:ext>
             </a:extLst>
           </p:cNvPr>
@@ -2178,7 +2224,7 @@
           <p:cNvPr id="2" name="제목 1">
             <a:extLst>
               <a:ext uri="{FF2B5EF4-FFF2-40B4-BE49-F238E27FC236}">
-                <a16:creationId xmlns:a16="http://schemas.microsoft.com/office/drawing/2014/main" xmlns="" id="{DAB38A69-3D29-4C24-9ECB-273920ED22AD}"/>
+                <a16:creationId xmlns:a16="http://schemas.microsoft.com/office/drawing/2014/main" id="{DAB38A69-3D29-4C24-9ECB-273920ED22AD}"/>
               </a:ext>
             </a:extLst>
           </p:cNvPr>
@@ -2206,7 +2252,7 @@
           <p:cNvPr id="3" name="내용 개체 틀 2">
             <a:extLst>
               <a:ext uri="{FF2B5EF4-FFF2-40B4-BE49-F238E27FC236}">
-                <a16:creationId xmlns:a16="http://schemas.microsoft.com/office/drawing/2014/main" xmlns="" id="{082948EE-F6AB-4E87-8EF2-45C98D8699DC}"/>
+                <a16:creationId xmlns:a16="http://schemas.microsoft.com/office/drawing/2014/main" id="{082948EE-F6AB-4E87-8EF2-45C98D8699DC}"/>
               </a:ext>
             </a:extLst>
           </p:cNvPr>
@@ -2268,7 +2314,7 @@
           <p:cNvPr id="4" name="내용 개체 틀 3">
             <a:extLst>
               <a:ext uri="{FF2B5EF4-FFF2-40B4-BE49-F238E27FC236}">
-                <a16:creationId xmlns:a16="http://schemas.microsoft.com/office/drawing/2014/main" xmlns="" id="{D87F2E9A-AE86-4D7F-8EFA-EC9B01794386}"/>
+                <a16:creationId xmlns:a16="http://schemas.microsoft.com/office/drawing/2014/main" id="{D87F2E9A-AE86-4D7F-8EFA-EC9B01794386}"/>
               </a:ext>
             </a:extLst>
           </p:cNvPr>
@@ -2330,7 +2376,7 @@
           <p:cNvPr id="5" name="날짜 개체 틀 4">
             <a:extLst>
               <a:ext uri="{FF2B5EF4-FFF2-40B4-BE49-F238E27FC236}">
-                <a16:creationId xmlns:a16="http://schemas.microsoft.com/office/drawing/2014/main" xmlns="" id="{15761406-AB24-4F59-BE3B-81085D63586F}"/>
+                <a16:creationId xmlns:a16="http://schemas.microsoft.com/office/drawing/2014/main" id="{15761406-AB24-4F59-BE3B-81085D63586F}"/>
               </a:ext>
             </a:extLst>
           </p:cNvPr>
@@ -2355,7 +2401,7 @@
                 </a:solidFill>
               </a:rPr>
               <a:pPr/>
-              <a:t>2021-05-05</a:t>
+              <a:t>2021-05-07</a:t>
             </a:fld>
             <a:endParaRPr lang="ko-KR" altLang="en-US">
               <a:solidFill>
@@ -2372,7 +2418,7 @@
           <p:cNvPr id="6" name="바닥글 개체 틀 5">
             <a:extLst>
               <a:ext uri="{FF2B5EF4-FFF2-40B4-BE49-F238E27FC236}">
-                <a16:creationId xmlns:a16="http://schemas.microsoft.com/office/drawing/2014/main" xmlns="" id="{65811B04-A60B-4F93-9AAD-590EA909107B}"/>
+                <a16:creationId xmlns:a16="http://schemas.microsoft.com/office/drawing/2014/main" id="{65811B04-A60B-4F93-9AAD-590EA909107B}"/>
               </a:ext>
             </a:extLst>
           </p:cNvPr>
@@ -2403,7 +2449,7 @@
           <p:cNvPr id="7" name="슬라이드 번호 개체 틀 6">
             <a:extLst>
               <a:ext uri="{FF2B5EF4-FFF2-40B4-BE49-F238E27FC236}">
-                <a16:creationId xmlns:a16="http://schemas.microsoft.com/office/drawing/2014/main" xmlns="" id="{4D841D0B-524A-4232-A9D9-827D87E66E20}"/>
+                <a16:creationId xmlns:a16="http://schemas.microsoft.com/office/drawing/2014/main" id="{4D841D0B-524A-4232-A9D9-827D87E66E20}"/>
               </a:ext>
             </a:extLst>
           </p:cNvPr>
@@ -2475,7 +2521,7 @@
           <p:cNvPr id="2" name="제목 1">
             <a:extLst>
               <a:ext uri="{FF2B5EF4-FFF2-40B4-BE49-F238E27FC236}">
-                <a16:creationId xmlns:a16="http://schemas.microsoft.com/office/drawing/2014/main" xmlns="" id="{4BE84E8B-0547-4066-B7CE-6F8D5AD8449C}"/>
+                <a16:creationId xmlns:a16="http://schemas.microsoft.com/office/drawing/2014/main" id="{4BE84E8B-0547-4066-B7CE-6F8D5AD8449C}"/>
               </a:ext>
             </a:extLst>
           </p:cNvPr>
@@ -2508,7 +2554,7 @@
           <p:cNvPr id="3" name="텍스트 개체 틀 2">
             <a:extLst>
               <a:ext uri="{FF2B5EF4-FFF2-40B4-BE49-F238E27FC236}">
-                <a16:creationId xmlns:a16="http://schemas.microsoft.com/office/drawing/2014/main" xmlns="" id="{DA654069-6E10-4D34-AF3F-05C3F3EA8C1F}"/>
+                <a16:creationId xmlns:a16="http://schemas.microsoft.com/office/drawing/2014/main" id="{DA654069-6E10-4D34-AF3F-05C3F3EA8C1F}"/>
               </a:ext>
             </a:extLst>
           </p:cNvPr>
@@ -2579,7 +2625,7 @@
           <p:cNvPr id="4" name="내용 개체 틀 3">
             <a:extLst>
               <a:ext uri="{FF2B5EF4-FFF2-40B4-BE49-F238E27FC236}">
-                <a16:creationId xmlns:a16="http://schemas.microsoft.com/office/drawing/2014/main" xmlns="" id="{D0176B67-9CF4-451B-A14B-2414AC27E256}"/>
+                <a16:creationId xmlns:a16="http://schemas.microsoft.com/office/drawing/2014/main" id="{D0176B67-9CF4-451B-A14B-2414AC27E256}"/>
               </a:ext>
             </a:extLst>
           </p:cNvPr>
@@ -2641,7 +2687,7 @@
           <p:cNvPr id="5" name="텍스트 개체 틀 4">
             <a:extLst>
               <a:ext uri="{FF2B5EF4-FFF2-40B4-BE49-F238E27FC236}">
-                <a16:creationId xmlns:a16="http://schemas.microsoft.com/office/drawing/2014/main" xmlns="" id="{536F0F25-4869-4EA5-81BB-C9C02134F720}"/>
+                <a16:creationId xmlns:a16="http://schemas.microsoft.com/office/drawing/2014/main" id="{536F0F25-4869-4EA5-81BB-C9C02134F720}"/>
               </a:ext>
             </a:extLst>
           </p:cNvPr>
@@ -2712,7 +2758,7 @@
           <p:cNvPr id="6" name="내용 개체 틀 5">
             <a:extLst>
               <a:ext uri="{FF2B5EF4-FFF2-40B4-BE49-F238E27FC236}">
-                <a16:creationId xmlns:a16="http://schemas.microsoft.com/office/drawing/2014/main" xmlns="" id="{3CEA45B8-98F1-4504-ACBF-5113C3486E5A}"/>
+                <a16:creationId xmlns:a16="http://schemas.microsoft.com/office/drawing/2014/main" id="{3CEA45B8-98F1-4504-ACBF-5113C3486E5A}"/>
               </a:ext>
             </a:extLst>
           </p:cNvPr>
@@ -2774,7 +2820,7 @@
           <p:cNvPr id="7" name="날짜 개체 틀 6">
             <a:extLst>
               <a:ext uri="{FF2B5EF4-FFF2-40B4-BE49-F238E27FC236}">
-                <a16:creationId xmlns:a16="http://schemas.microsoft.com/office/drawing/2014/main" xmlns="" id="{103F3173-3B38-4204-A785-C9ADC1457256}"/>
+                <a16:creationId xmlns:a16="http://schemas.microsoft.com/office/drawing/2014/main" id="{103F3173-3B38-4204-A785-C9ADC1457256}"/>
               </a:ext>
             </a:extLst>
           </p:cNvPr>
@@ -2799,7 +2845,7 @@
                 </a:solidFill>
               </a:rPr>
               <a:pPr/>
-              <a:t>2021-05-05</a:t>
+              <a:t>2021-05-07</a:t>
             </a:fld>
             <a:endParaRPr lang="ko-KR" altLang="en-US">
               <a:solidFill>
@@ -2816,7 +2862,7 @@
           <p:cNvPr id="8" name="바닥글 개체 틀 7">
             <a:extLst>
               <a:ext uri="{FF2B5EF4-FFF2-40B4-BE49-F238E27FC236}">
-                <a16:creationId xmlns:a16="http://schemas.microsoft.com/office/drawing/2014/main" xmlns="" id="{1A418B22-D4A1-4FE3-8B03-863F6BE1020E}"/>
+                <a16:creationId xmlns:a16="http://schemas.microsoft.com/office/drawing/2014/main" id="{1A418B22-D4A1-4FE3-8B03-863F6BE1020E}"/>
               </a:ext>
             </a:extLst>
           </p:cNvPr>
@@ -2847,7 +2893,7 @@
           <p:cNvPr id="9" name="슬라이드 번호 개체 틀 8">
             <a:extLst>
               <a:ext uri="{FF2B5EF4-FFF2-40B4-BE49-F238E27FC236}">
-                <a16:creationId xmlns:a16="http://schemas.microsoft.com/office/drawing/2014/main" xmlns="" id="{043789B6-F371-4666-AD6F-2F6FFE5D5676}"/>
+                <a16:creationId xmlns:a16="http://schemas.microsoft.com/office/drawing/2014/main" id="{043789B6-F371-4666-AD6F-2F6FFE5D5676}"/>
               </a:ext>
             </a:extLst>
           </p:cNvPr>
@@ -2919,7 +2965,7 @@
           <p:cNvPr id="2" name="제목 1">
             <a:extLst>
               <a:ext uri="{FF2B5EF4-FFF2-40B4-BE49-F238E27FC236}">
-                <a16:creationId xmlns:a16="http://schemas.microsoft.com/office/drawing/2014/main" xmlns="" id="{5BFF9332-9919-4131-B708-5D62596BBCEF}"/>
+                <a16:creationId xmlns:a16="http://schemas.microsoft.com/office/drawing/2014/main" id="{5BFF9332-9919-4131-B708-5D62596BBCEF}"/>
               </a:ext>
             </a:extLst>
           </p:cNvPr>
@@ -2947,7 +2993,7 @@
           <p:cNvPr id="3" name="날짜 개체 틀 2">
             <a:extLst>
               <a:ext uri="{FF2B5EF4-FFF2-40B4-BE49-F238E27FC236}">
-                <a16:creationId xmlns:a16="http://schemas.microsoft.com/office/drawing/2014/main" xmlns="" id="{763BC5A0-FDFD-4D25-99FB-38EC58AAB783}"/>
+                <a16:creationId xmlns:a16="http://schemas.microsoft.com/office/drawing/2014/main" id="{763BC5A0-FDFD-4D25-99FB-38EC58AAB783}"/>
               </a:ext>
             </a:extLst>
           </p:cNvPr>
@@ -2972,7 +3018,7 @@
                 </a:solidFill>
               </a:rPr>
               <a:pPr/>
-              <a:t>2021-05-05</a:t>
+              <a:t>2021-05-07</a:t>
             </a:fld>
             <a:endParaRPr lang="ko-KR" altLang="en-US">
               <a:solidFill>
@@ -2989,7 +3035,7 @@
           <p:cNvPr id="4" name="바닥글 개체 틀 3">
             <a:extLst>
               <a:ext uri="{FF2B5EF4-FFF2-40B4-BE49-F238E27FC236}">
-                <a16:creationId xmlns:a16="http://schemas.microsoft.com/office/drawing/2014/main" xmlns="" id="{BF362264-B167-4223-8A3D-FCAC4B27FD8E}"/>
+                <a16:creationId xmlns:a16="http://schemas.microsoft.com/office/drawing/2014/main" id="{BF362264-B167-4223-8A3D-FCAC4B27FD8E}"/>
               </a:ext>
             </a:extLst>
           </p:cNvPr>
@@ -3020,7 +3066,7 @@
           <p:cNvPr id="5" name="슬라이드 번호 개체 틀 4">
             <a:extLst>
               <a:ext uri="{FF2B5EF4-FFF2-40B4-BE49-F238E27FC236}">
-                <a16:creationId xmlns:a16="http://schemas.microsoft.com/office/drawing/2014/main" xmlns="" id="{D828EBDC-5098-4891-B3AA-24D537A14235}"/>
+                <a16:creationId xmlns:a16="http://schemas.microsoft.com/office/drawing/2014/main" id="{D828EBDC-5098-4891-B3AA-24D537A14235}"/>
               </a:ext>
             </a:extLst>
           </p:cNvPr>
@@ -3092,7 +3138,7 @@
           <p:cNvPr id="2" name="날짜 개체 틀 1">
             <a:extLst>
               <a:ext uri="{FF2B5EF4-FFF2-40B4-BE49-F238E27FC236}">
-                <a16:creationId xmlns:a16="http://schemas.microsoft.com/office/drawing/2014/main" xmlns="" id="{A3AF5A5E-7D0D-4121-AFAD-2A2EBFC13270}"/>
+                <a16:creationId xmlns:a16="http://schemas.microsoft.com/office/drawing/2014/main" id="{A3AF5A5E-7D0D-4121-AFAD-2A2EBFC13270}"/>
               </a:ext>
             </a:extLst>
           </p:cNvPr>
@@ -3117,7 +3163,7 @@
                 </a:solidFill>
               </a:rPr>
               <a:pPr/>
-              <a:t>2021-05-05</a:t>
+              <a:t>2021-05-07</a:t>
             </a:fld>
             <a:endParaRPr lang="ko-KR" altLang="en-US">
               <a:solidFill>
@@ -3134,7 +3180,7 @@
           <p:cNvPr id="3" name="바닥글 개체 틀 2">
             <a:extLst>
               <a:ext uri="{FF2B5EF4-FFF2-40B4-BE49-F238E27FC236}">
-                <a16:creationId xmlns:a16="http://schemas.microsoft.com/office/drawing/2014/main" xmlns="" id="{BA95F73F-7974-467D-83AF-1219E2B85172}"/>
+                <a16:creationId xmlns:a16="http://schemas.microsoft.com/office/drawing/2014/main" id="{BA95F73F-7974-467D-83AF-1219E2B85172}"/>
               </a:ext>
             </a:extLst>
           </p:cNvPr>
@@ -3165,7 +3211,7 @@
           <p:cNvPr id="4" name="슬라이드 번호 개체 틀 3">
             <a:extLst>
               <a:ext uri="{FF2B5EF4-FFF2-40B4-BE49-F238E27FC236}">
-                <a16:creationId xmlns:a16="http://schemas.microsoft.com/office/drawing/2014/main" xmlns="" id="{FC2FE57D-6A5A-415A-8353-ADC07E417259}"/>
+                <a16:creationId xmlns:a16="http://schemas.microsoft.com/office/drawing/2014/main" id="{FC2FE57D-6A5A-415A-8353-ADC07E417259}"/>
               </a:ext>
             </a:extLst>
           </p:cNvPr>
@@ -3237,7 +3283,7 @@
           <p:cNvPr id="2" name="제목 1">
             <a:extLst>
               <a:ext uri="{FF2B5EF4-FFF2-40B4-BE49-F238E27FC236}">
-                <a16:creationId xmlns:a16="http://schemas.microsoft.com/office/drawing/2014/main" xmlns="" id="{2902F1E6-5C57-410F-B1DB-FA004F50AAD1}"/>
+                <a16:creationId xmlns:a16="http://schemas.microsoft.com/office/drawing/2014/main" id="{2902F1E6-5C57-410F-B1DB-FA004F50AAD1}"/>
               </a:ext>
             </a:extLst>
           </p:cNvPr>
@@ -3274,7 +3320,7 @@
           <p:cNvPr id="3" name="내용 개체 틀 2">
             <a:extLst>
               <a:ext uri="{FF2B5EF4-FFF2-40B4-BE49-F238E27FC236}">
-                <a16:creationId xmlns:a16="http://schemas.microsoft.com/office/drawing/2014/main" xmlns="" id="{AAF4698D-710C-44FB-BBEC-4E688347FF40}"/>
+                <a16:creationId xmlns:a16="http://schemas.microsoft.com/office/drawing/2014/main" id="{AAF4698D-710C-44FB-BBEC-4E688347FF40}"/>
               </a:ext>
             </a:extLst>
           </p:cNvPr>
@@ -3364,7 +3410,7 @@
           <p:cNvPr id="4" name="텍스트 개체 틀 3">
             <a:extLst>
               <a:ext uri="{FF2B5EF4-FFF2-40B4-BE49-F238E27FC236}">
-                <a16:creationId xmlns:a16="http://schemas.microsoft.com/office/drawing/2014/main" xmlns="" id="{99322622-E78A-4B02-98DF-758ADB0F13F7}"/>
+                <a16:creationId xmlns:a16="http://schemas.microsoft.com/office/drawing/2014/main" id="{99322622-E78A-4B02-98DF-758ADB0F13F7}"/>
               </a:ext>
             </a:extLst>
           </p:cNvPr>
@@ -3435,7 +3481,7 @@
           <p:cNvPr id="5" name="날짜 개체 틀 4">
             <a:extLst>
               <a:ext uri="{FF2B5EF4-FFF2-40B4-BE49-F238E27FC236}">
-                <a16:creationId xmlns:a16="http://schemas.microsoft.com/office/drawing/2014/main" xmlns="" id="{027475CA-CB40-463D-902C-EC61BEBE35EC}"/>
+                <a16:creationId xmlns:a16="http://schemas.microsoft.com/office/drawing/2014/main" id="{027475CA-CB40-463D-902C-EC61BEBE35EC}"/>
               </a:ext>
             </a:extLst>
           </p:cNvPr>
@@ -3460,7 +3506,7 @@
                 </a:solidFill>
               </a:rPr>
               <a:pPr/>
-              <a:t>2021-05-05</a:t>
+              <a:t>2021-05-07</a:t>
             </a:fld>
             <a:endParaRPr lang="ko-KR" altLang="en-US">
               <a:solidFill>
@@ -3477,7 +3523,7 @@
           <p:cNvPr id="6" name="바닥글 개체 틀 5">
             <a:extLst>
               <a:ext uri="{FF2B5EF4-FFF2-40B4-BE49-F238E27FC236}">
-                <a16:creationId xmlns:a16="http://schemas.microsoft.com/office/drawing/2014/main" xmlns="" id="{B7397C47-6A51-4638-85CF-0E4344999AF2}"/>
+                <a16:creationId xmlns:a16="http://schemas.microsoft.com/office/drawing/2014/main" id="{B7397C47-6A51-4638-85CF-0E4344999AF2}"/>
               </a:ext>
             </a:extLst>
           </p:cNvPr>
@@ -3508,7 +3554,7 @@
           <p:cNvPr id="7" name="슬라이드 번호 개체 틀 6">
             <a:extLst>
               <a:ext uri="{FF2B5EF4-FFF2-40B4-BE49-F238E27FC236}">
-                <a16:creationId xmlns:a16="http://schemas.microsoft.com/office/drawing/2014/main" xmlns="" id="{9FAD7F7C-11C5-47D9-B57F-13E5CE3EDA6D}"/>
+                <a16:creationId xmlns:a16="http://schemas.microsoft.com/office/drawing/2014/main" id="{9FAD7F7C-11C5-47D9-B57F-13E5CE3EDA6D}"/>
               </a:ext>
             </a:extLst>
           </p:cNvPr>
@@ -3580,7 +3626,7 @@
           <p:cNvPr id="2" name="제목 1">
             <a:extLst>
               <a:ext uri="{FF2B5EF4-FFF2-40B4-BE49-F238E27FC236}">
-                <a16:creationId xmlns:a16="http://schemas.microsoft.com/office/drawing/2014/main" xmlns="" id="{E183160A-E71E-4A86-8DC0-6F7924434A1F}"/>
+                <a16:creationId xmlns:a16="http://schemas.microsoft.com/office/drawing/2014/main" id="{E183160A-E71E-4A86-8DC0-6F7924434A1F}"/>
               </a:ext>
             </a:extLst>
           </p:cNvPr>
@@ -3617,7 +3663,7 @@
           <p:cNvPr id="3" name="그림 개체 틀 2">
             <a:extLst>
               <a:ext uri="{FF2B5EF4-FFF2-40B4-BE49-F238E27FC236}">
-                <a16:creationId xmlns:a16="http://schemas.microsoft.com/office/drawing/2014/main" xmlns="" id="{34609EF7-25DF-46D2-8A40-48F275B71847}"/>
+                <a16:creationId xmlns:a16="http://schemas.microsoft.com/office/drawing/2014/main" id="{34609EF7-25DF-46D2-8A40-48F275B71847}"/>
               </a:ext>
             </a:extLst>
           </p:cNvPr>
@@ -3684,7 +3730,7 @@
           <p:cNvPr id="4" name="텍스트 개체 틀 3">
             <a:extLst>
               <a:ext uri="{FF2B5EF4-FFF2-40B4-BE49-F238E27FC236}">
-                <a16:creationId xmlns:a16="http://schemas.microsoft.com/office/drawing/2014/main" xmlns="" id="{5A422877-E249-4B25-BB86-82CD621BC6A4}"/>
+                <a16:creationId xmlns:a16="http://schemas.microsoft.com/office/drawing/2014/main" id="{5A422877-E249-4B25-BB86-82CD621BC6A4}"/>
               </a:ext>
             </a:extLst>
           </p:cNvPr>
@@ -3755,7 +3801,7 @@
           <p:cNvPr id="5" name="날짜 개체 틀 4">
             <a:extLst>
               <a:ext uri="{FF2B5EF4-FFF2-40B4-BE49-F238E27FC236}">
-                <a16:creationId xmlns:a16="http://schemas.microsoft.com/office/drawing/2014/main" xmlns="" id="{1956C9CB-0CC0-4C33-B7F1-1B15AF6B0E2A}"/>
+                <a16:creationId xmlns:a16="http://schemas.microsoft.com/office/drawing/2014/main" id="{1956C9CB-0CC0-4C33-B7F1-1B15AF6B0E2A}"/>
               </a:ext>
             </a:extLst>
           </p:cNvPr>
@@ -3780,7 +3826,7 @@
                 </a:solidFill>
               </a:rPr>
               <a:pPr/>
-              <a:t>2021-05-05</a:t>
+              <a:t>2021-05-07</a:t>
             </a:fld>
             <a:endParaRPr lang="ko-KR" altLang="en-US">
               <a:solidFill>
@@ -3797,7 +3843,7 @@
           <p:cNvPr id="6" name="바닥글 개체 틀 5">
             <a:extLst>
               <a:ext uri="{FF2B5EF4-FFF2-40B4-BE49-F238E27FC236}">
-                <a16:creationId xmlns:a16="http://schemas.microsoft.com/office/drawing/2014/main" xmlns="" id="{F0A7F62D-438E-4EED-AEA1-6F4C2BFFDE0E}"/>
+                <a16:creationId xmlns:a16="http://schemas.microsoft.com/office/drawing/2014/main" id="{F0A7F62D-438E-4EED-AEA1-6F4C2BFFDE0E}"/>
               </a:ext>
             </a:extLst>
           </p:cNvPr>
@@ -3828,7 +3874,7 @@
           <p:cNvPr id="7" name="슬라이드 번호 개체 틀 6">
             <a:extLst>
               <a:ext uri="{FF2B5EF4-FFF2-40B4-BE49-F238E27FC236}">
-                <a16:creationId xmlns:a16="http://schemas.microsoft.com/office/drawing/2014/main" xmlns="" id="{C818663A-88E0-437E-8EFA-D67DE30206BB}"/>
+                <a16:creationId xmlns:a16="http://schemas.microsoft.com/office/drawing/2014/main" id="{C818663A-88E0-437E-8EFA-D67DE30206BB}"/>
               </a:ext>
             </a:extLst>
           </p:cNvPr>
@@ -3905,7 +3951,7 @@
           <p:cNvPr id="2" name="제목 개체 틀 1">
             <a:extLst>
               <a:ext uri="{FF2B5EF4-FFF2-40B4-BE49-F238E27FC236}">
-                <a16:creationId xmlns:a16="http://schemas.microsoft.com/office/drawing/2014/main" xmlns="" id="{D2DC770B-F71A-45B2-91A3-0DC28325AC23}"/>
+                <a16:creationId xmlns:a16="http://schemas.microsoft.com/office/drawing/2014/main" id="{D2DC770B-F71A-45B2-91A3-0DC28325AC23}"/>
               </a:ext>
             </a:extLst>
           </p:cNvPr>
@@ -3943,7 +3989,7 @@
           <p:cNvPr id="3" name="텍스트 개체 틀 2">
             <a:extLst>
               <a:ext uri="{FF2B5EF4-FFF2-40B4-BE49-F238E27FC236}">
-                <a16:creationId xmlns:a16="http://schemas.microsoft.com/office/drawing/2014/main" xmlns="" id="{DC3FD713-C052-4CC0-B94B-1E9343F91E1E}"/>
+                <a16:creationId xmlns:a16="http://schemas.microsoft.com/office/drawing/2014/main" id="{DC3FD713-C052-4CC0-B94B-1E9343F91E1E}"/>
               </a:ext>
             </a:extLst>
           </p:cNvPr>
@@ -4010,7 +4056,7 @@
           <p:cNvPr id="4" name="날짜 개체 틀 3">
             <a:extLst>
               <a:ext uri="{FF2B5EF4-FFF2-40B4-BE49-F238E27FC236}">
-                <a16:creationId xmlns:a16="http://schemas.microsoft.com/office/drawing/2014/main" xmlns="" id="{E1B4A654-841D-410E-BDBD-F39F18040F94}"/>
+                <a16:creationId xmlns:a16="http://schemas.microsoft.com/office/drawing/2014/main" id="{E1B4A654-841D-410E-BDBD-F39F18040F94}"/>
               </a:ext>
             </a:extLst>
           </p:cNvPr>
@@ -4053,7 +4099,7 @@
                 </a:solidFill>
               </a:rPr>
               <a:pPr/>
-              <a:t>2021-05-05</a:t>
+              <a:t>2021-05-07</a:t>
             </a:fld>
             <a:endParaRPr lang="ko-KR" altLang="en-US">
               <a:solidFill>
@@ -4070,7 +4116,7 @@
           <p:cNvPr id="5" name="바닥글 개체 틀 4">
             <a:extLst>
               <a:ext uri="{FF2B5EF4-FFF2-40B4-BE49-F238E27FC236}">
-                <a16:creationId xmlns:a16="http://schemas.microsoft.com/office/drawing/2014/main" xmlns="" id="{37FFFFD6-C0B3-4A47-8BCB-68D8F1F28DFF}"/>
+                <a16:creationId xmlns:a16="http://schemas.microsoft.com/office/drawing/2014/main" id="{37FFFFD6-C0B3-4A47-8BCB-68D8F1F28DFF}"/>
               </a:ext>
             </a:extLst>
           </p:cNvPr>
@@ -4119,7 +4165,7 @@
           <p:cNvPr id="6" name="슬라이드 번호 개체 틀 5">
             <a:extLst>
               <a:ext uri="{FF2B5EF4-FFF2-40B4-BE49-F238E27FC236}">
-                <a16:creationId xmlns:a16="http://schemas.microsoft.com/office/drawing/2014/main" xmlns="" id="{9956FF22-54C0-4C03-BD49-D5026B38DA3B}"/>
+                <a16:creationId xmlns:a16="http://schemas.microsoft.com/office/drawing/2014/main" id="{9956FF22-54C0-4C03-BD49-D5026B38DA3B}"/>
               </a:ext>
             </a:extLst>
           </p:cNvPr>
@@ -4829,6 +4875,193 @@
 </p:sld>
 </file>
 
+<file path=ppt/slides/slide10.xml><?xml version="1.0" encoding="utf-8"?>
+<p:sld xmlns:a="http://schemas.openxmlformats.org/drawingml/2006/main" xmlns:r="http://schemas.openxmlformats.org/officeDocument/2006/relationships" xmlns:p="http://schemas.openxmlformats.org/presentationml/2006/main">
+  <p:cSld>
+    <p:bg>
+      <p:bgPr>
+        <a:solidFill>
+          <a:srgbClr val="EFECE7"/>
+        </a:solidFill>
+        <a:effectLst/>
+      </p:bgPr>
+    </p:bg>
+    <p:spTree>
+      <p:nvGrpSpPr>
+        <p:cNvPr id="1" name=""/>
+        <p:cNvGrpSpPr/>
+        <p:nvPr/>
+      </p:nvGrpSpPr>
+      <p:grpSpPr>
+        <a:xfrm>
+          <a:off x="0" y="0"/>
+          <a:ext cx="0" cy="0"/>
+          <a:chOff x="0" y="0"/>
+          <a:chExt cx="0" cy="0"/>
+        </a:xfrm>
+      </p:grpSpPr>
+      <p:sp>
+        <p:nvSpPr>
+          <p:cNvPr id="10" name="직사각형 9"/>
+          <p:cNvSpPr/>
+          <p:nvPr/>
+        </p:nvSpPr>
+        <p:spPr>
+          <a:xfrm>
+            <a:off x="0" y="0"/>
+            <a:ext cx="12192000" cy="863600"/>
+          </a:xfrm>
+          <a:prstGeom prst="rect">
+            <a:avLst/>
+          </a:prstGeom>
+          <a:solidFill>
+            <a:schemeClr val="bg2">
+              <a:lumMod val="50000"/>
+            </a:schemeClr>
+          </a:solidFill>
+          <a:ln>
+            <a:noFill/>
+          </a:ln>
+          <a:effectLst>
+            <a:outerShdw dist="25400" dir="5400000" algn="t" rotWithShape="0">
+              <a:schemeClr val="bg1"/>
+            </a:outerShdw>
+          </a:effectLst>
+        </p:spPr>
+        <p:style>
+          <a:lnRef idx="2">
+            <a:schemeClr val="accent1">
+              <a:shade val="50000"/>
+            </a:schemeClr>
+          </a:lnRef>
+          <a:fillRef idx="1">
+            <a:schemeClr val="accent1"/>
+          </a:fillRef>
+          <a:effectRef idx="0">
+            <a:schemeClr val="accent1"/>
+          </a:effectRef>
+          <a:fontRef idx="minor">
+            <a:schemeClr val="lt1"/>
+          </a:fontRef>
+        </p:style>
+        <p:txBody>
+          <a:bodyPr rtlCol="0" anchor="ctr"/>
+          <a:lstStyle/>
+          <a:p>
+            <a:pPr algn="ctr" latinLnBrk="0">
+              <a:defRPr/>
+            </a:pPr>
+            <a:r>
+              <a:rPr lang="en-US" altLang="ko-KR" sz="2400" b="1" i="1" kern="0" dirty="0">
+                <a:solidFill>
+                  <a:prstClr val="white"/>
+                </a:solidFill>
+              </a:rPr>
+              <a:t>JAVA MySQL </a:t>
+            </a:r>
+          </a:p>
+          <a:p>
+            <a:pPr algn="ctr" latinLnBrk="0">
+              <a:defRPr/>
+            </a:pPr>
+            <a:r>
+              <a:rPr lang="en-US" altLang="ko-KR" sz="900" kern="0" dirty="0">
+                <a:solidFill>
+                  <a:srgbClr val="E7E6E6">
+                    <a:lumMod val="75000"/>
+                  </a:srgbClr>
+                </a:solidFill>
+              </a:rPr>
+              <a:t>JAVA – MySQL </a:t>
+            </a:r>
+            <a:r>
+              <a:rPr lang="ko-KR" altLang="en-US" sz="900" kern="0" dirty="0">
+                <a:solidFill>
+                  <a:srgbClr val="E7E6E6">
+                    <a:lumMod val="75000"/>
+                  </a:srgbClr>
+                </a:solidFill>
+              </a:rPr>
+              <a:t>연동 프로그램</a:t>
+            </a:r>
+            <a:endParaRPr lang="en-US" altLang="ko-KR" sz="1600" i="1" kern="0" dirty="0">
+              <a:solidFill>
+                <a:srgbClr val="E7E6E6">
+                  <a:lumMod val="75000"/>
+                </a:srgbClr>
+              </a:solidFill>
+            </a:endParaRPr>
+          </a:p>
+        </p:txBody>
+      </p:sp>
+      <p:sp>
+        <p:nvSpPr>
+          <p:cNvPr id="2" name="TextBox 1"/>
+          <p:cNvSpPr txBox="1"/>
+          <p:nvPr/>
+        </p:nvSpPr>
+        <p:spPr>
+          <a:xfrm>
+            <a:off x="2563031" y="2644170"/>
+            <a:ext cx="7065937" cy="1569660"/>
+          </a:xfrm>
+          <a:prstGeom prst="rect">
+            <a:avLst/>
+          </a:prstGeom>
+          <a:noFill/>
+        </p:spPr>
+        <p:txBody>
+          <a:bodyPr wrap="square" rtlCol="0">
+            <a:spAutoFit/>
+          </a:bodyPr>
+          <a:lstStyle/>
+          <a:p>
+            <a:r>
+              <a:rPr lang="ko-KR" altLang="en-US" sz="9600" b="1" i="1" dirty="0" smtClean="0">
+                <a:solidFill>
+                  <a:prstClr val="black">
+                    <a:lumMod val="65000"/>
+                    <a:lumOff val="35000"/>
+                  </a:prstClr>
+                </a:solidFill>
+              </a:rPr>
+              <a:t>감사합니다</a:t>
+            </a:r>
+            <a:r>
+              <a:rPr lang="en-US" altLang="ko-KR" sz="9600" b="1" i="1" dirty="0" smtClean="0">
+                <a:solidFill>
+                  <a:prstClr val="black">
+                    <a:lumMod val="65000"/>
+                    <a:lumOff val="35000"/>
+                  </a:prstClr>
+                </a:solidFill>
+              </a:rPr>
+              <a:t>.</a:t>
+            </a:r>
+            <a:endParaRPr lang="ko-KR" altLang="en-US" sz="9600" i="1" dirty="0"/>
+          </a:p>
+        </p:txBody>
+      </p:sp>
+    </p:spTree>
+    <p:extLst>
+      <p:ext uri="{BB962C8B-B14F-4D97-AF65-F5344CB8AC3E}">
+        <p14:creationId xmlns:p14="http://schemas.microsoft.com/office/powerpoint/2010/main" val="4063154724"/>
+      </p:ext>
+    </p:extLst>
+  </p:cSld>
+  <p:clrMapOvr>
+    <a:masterClrMapping/>
+  </p:clrMapOvr>
+  <p:timing>
+    <p:tnLst>
+      <p:par>
+        <p:cTn id="1" dur="indefinite" restart="never" nodeType="tmRoot"/>
+      </p:par>
+    </p:tnLst>
+  </p:timing>
+</p:sld>
+</file>
+
 <file path=ppt/slides/slide2.xml><?xml version="1.0" encoding="utf-8"?>
 <p:sld xmlns:a="http://schemas.openxmlformats.org/drawingml/2006/main" xmlns:r="http://schemas.openxmlformats.org/officeDocument/2006/relationships" xmlns:p="http://schemas.openxmlformats.org/presentationml/2006/main">
   <p:cSld>
@@ -4953,7 +5186,7 @@
           <p:cNvPr id="103" name="자유형 102">
             <a:extLst>
               <a:ext uri="{FF2B5EF4-FFF2-40B4-BE49-F238E27FC236}">
-                <a16:creationId xmlns="" xmlns:a16="http://schemas.microsoft.com/office/drawing/2014/main" id="{0363AEBC-2082-401A-B77D-2F120128FFEB}"/>
+                <a16:creationId xmlns:a16="http://schemas.microsoft.com/office/drawing/2014/main" id="{0363AEBC-2082-401A-B77D-2F120128FFEB}"/>
               </a:ext>
             </a:extLst>
           </p:cNvPr>
@@ -5207,7 +5440,7 @@
           <p:cNvPr id="63" name="직사각형 62">
             <a:extLst>
               <a:ext uri="{FF2B5EF4-FFF2-40B4-BE49-F238E27FC236}">
-                <a16:creationId xmlns="" xmlns:a16="http://schemas.microsoft.com/office/drawing/2014/main" id="{B615581C-E4AE-4D17-AD20-9E155AB8DB3D}"/>
+                <a16:creationId xmlns:a16="http://schemas.microsoft.com/office/drawing/2014/main" id="{B615581C-E4AE-4D17-AD20-9E155AB8DB3D}"/>
               </a:ext>
             </a:extLst>
           </p:cNvPr>
@@ -5261,7 +5494,7 @@
           <p:cNvPr id="64" name="Freeform 11">
             <a:extLst>
               <a:ext uri="{FF2B5EF4-FFF2-40B4-BE49-F238E27FC236}">
-                <a16:creationId xmlns="" xmlns:a16="http://schemas.microsoft.com/office/drawing/2014/main" id="{5D3B3173-3133-4055-B9BD-B77632B02347}"/>
+                <a16:creationId xmlns:a16="http://schemas.microsoft.com/office/drawing/2014/main" id="{5D3B3173-3133-4055-B9BD-B77632B02347}"/>
               </a:ext>
             </a:extLst>
           </p:cNvPr>
@@ -7126,7 +7359,7 @@
           <p:cNvPr id="65" name="직사각형 64">
             <a:extLst>
               <a:ext uri="{FF2B5EF4-FFF2-40B4-BE49-F238E27FC236}">
-                <a16:creationId xmlns="" xmlns:a16="http://schemas.microsoft.com/office/drawing/2014/main" id="{938DFDA8-2903-4BD6-BF9D-0E7C666CFB74}"/>
+                <a16:creationId xmlns:a16="http://schemas.microsoft.com/office/drawing/2014/main" id="{938DFDA8-2903-4BD6-BF9D-0E7C666CFB74}"/>
               </a:ext>
             </a:extLst>
           </p:cNvPr>
@@ -7172,7 +7405,7 @@
           <p:cNvPr id="84" name="원호 83">
             <a:extLst>
               <a:ext uri="{FF2B5EF4-FFF2-40B4-BE49-F238E27FC236}">
-                <a16:creationId xmlns="" xmlns:a16="http://schemas.microsoft.com/office/drawing/2014/main" id="{E2163613-3107-47E1-9C46-C5FB7FB0CD81}"/>
+                <a16:creationId xmlns:a16="http://schemas.microsoft.com/office/drawing/2014/main" id="{E2163613-3107-47E1-9C46-C5FB7FB0CD81}"/>
               </a:ext>
             </a:extLst>
           </p:cNvPr>
@@ -7228,7 +7461,7 @@
           <p:cNvPr id="102" name="자유형 101">
             <a:extLst>
               <a:ext uri="{FF2B5EF4-FFF2-40B4-BE49-F238E27FC236}">
-                <a16:creationId xmlns="" xmlns:a16="http://schemas.microsoft.com/office/drawing/2014/main" id="{0363AEBC-2082-401A-B77D-2F120128FFEB}"/>
+                <a16:creationId xmlns:a16="http://schemas.microsoft.com/office/drawing/2014/main" id="{0363AEBC-2082-401A-B77D-2F120128FFEB}"/>
               </a:ext>
             </a:extLst>
           </p:cNvPr>
@@ -7482,7 +7715,7 @@
           <p:cNvPr id="89" name="직사각형 88">
             <a:extLst>
               <a:ext uri="{FF2B5EF4-FFF2-40B4-BE49-F238E27FC236}">
-                <a16:creationId xmlns="" xmlns:a16="http://schemas.microsoft.com/office/drawing/2014/main" id="{B615581C-E4AE-4D17-AD20-9E155AB8DB3D}"/>
+                <a16:creationId xmlns:a16="http://schemas.microsoft.com/office/drawing/2014/main" id="{B615581C-E4AE-4D17-AD20-9E155AB8DB3D}"/>
               </a:ext>
             </a:extLst>
           </p:cNvPr>
@@ -7536,7 +7769,7 @@
           <p:cNvPr id="90" name="Freeform 11">
             <a:extLst>
               <a:ext uri="{FF2B5EF4-FFF2-40B4-BE49-F238E27FC236}">
-                <a16:creationId xmlns="" xmlns:a16="http://schemas.microsoft.com/office/drawing/2014/main" id="{5D3B3173-3133-4055-B9BD-B77632B02347}"/>
+                <a16:creationId xmlns:a16="http://schemas.microsoft.com/office/drawing/2014/main" id="{5D3B3173-3133-4055-B9BD-B77632B02347}"/>
               </a:ext>
             </a:extLst>
           </p:cNvPr>
@@ -9401,7 +9634,7 @@
           <p:cNvPr id="91" name="직사각형 90">
             <a:extLst>
               <a:ext uri="{FF2B5EF4-FFF2-40B4-BE49-F238E27FC236}">
-                <a16:creationId xmlns="" xmlns:a16="http://schemas.microsoft.com/office/drawing/2014/main" id="{938DFDA8-2903-4BD6-BF9D-0E7C666CFB74}"/>
+                <a16:creationId xmlns:a16="http://schemas.microsoft.com/office/drawing/2014/main" id="{938DFDA8-2903-4BD6-BF9D-0E7C666CFB74}"/>
               </a:ext>
             </a:extLst>
           </p:cNvPr>
@@ -9466,7 +9699,7 @@
           <p:cNvPr id="93" name="원호 92">
             <a:extLst>
               <a:ext uri="{FF2B5EF4-FFF2-40B4-BE49-F238E27FC236}">
-                <a16:creationId xmlns="" xmlns:a16="http://schemas.microsoft.com/office/drawing/2014/main" id="{E2163613-3107-47E1-9C46-C5FB7FB0CD81}"/>
+                <a16:creationId xmlns:a16="http://schemas.microsoft.com/office/drawing/2014/main" id="{E2163613-3107-47E1-9C46-C5FB7FB0CD81}"/>
               </a:ext>
             </a:extLst>
           </p:cNvPr>
@@ -9522,7 +9755,7 @@
           <p:cNvPr id="101" name="자유형 100">
             <a:extLst>
               <a:ext uri="{FF2B5EF4-FFF2-40B4-BE49-F238E27FC236}">
-                <a16:creationId xmlns="" xmlns:a16="http://schemas.microsoft.com/office/drawing/2014/main" id="{0363AEBC-2082-401A-B77D-2F120128FFEB}"/>
+                <a16:creationId xmlns:a16="http://schemas.microsoft.com/office/drawing/2014/main" id="{0363AEBC-2082-401A-B77D-2F120128FFEB}"/>
               </a:ext>
             </a:extLst>
           </p:cNvPr>
@@ -9778,7 +10011,7 @@
           <p:cNvPr id="96" name="직사각형 95">
             <a:extLst>
               <a:ext uri="{FF2B5EF4-FFF2-40B4-BE49-F238E27FC236}">
-                <a16:creationId xmlns="" xmlns:a16="http://schemas.microsoft.com/office/drawing/2014/main" id="{B615581C-E4AE-4D17-AD20-9E155AB8DB3D}"/>
+                <a16:creationId xmlns:a16="http://schemas.microsoft.com/office/drawing/2014/main" id="{B615581C-E4AE-4D17-AD20-9E155AB8DB3D}"/>
               </a:ext>
             </a:extLst>
           </p:cNvPr>
@@ -9832,7 +10065,7 @@
           <p:cNvPr id="97" name="Freeform 11">
             <a:extLst>
               <a:ext uri="{FF2B5EF4-FFF2-40B4-BE49-F238E27FC236}">
-                <a16:creationId xmlns="" xmlns:a16="http://schemas.microsoft.com/office/drawing/2014/main" id="{5D3B3173-3133-4055-B9BD-B77632B02347}"/>
+                <a16:creationId xmlns:a16="http://schemas.microsoft.com/office/drawing/2014/main" id="{5D3B3173-3133-4055-B9BD-B77632B02347}"/>
               </a:ext>
             </a:extLst>
           </p:cNvPr>
@@ -11697,7 +11930,7 @@
           <p:cNvPr id="98" name="직사각형 97">
             <a:extLst>
               <a:ext uri="{FF2B5EF4-FFF2-40B4-BE49-F238E27FC236}">
-                <a16:creationId xmlns="" xmlns:a16="http://schemas.microsoft.com/office/drawing/2014/main" id="{938DFDA8-2903-4BD6-BF9D-0E7C666CFB74}"/>
+                <a16:creationId xmlns:a16="http://schemas.microsoft.com/office/drawing/2014/main" id="{938DFDA8-2903-4BD6-BF9D-0E7C666CFB74}"/>
               </a:ext>
             </a:extLst>
           </p:cNvPr>
@@ -11762,7 +11995,7 @@
           <p:cNvPr id="100" name="원호 99">
             <a:extLst>
               <a:ext uri="{FF2B5EF4-FFF2-40B4-BE49-F238E27FC236}">
-                <a16:creationId xmlns="" xmlns:a16="http://schemas.microsoft.com/office/drawing/2014/main" id="{E2163613-3107-47E1-9C46-C5FB7FB0CD81}"/>
+                <a16:creationId xmlns:a16="http://schemas.microsoft.com/office/drawing/2014/main" id="{E2163613-3107-47E1-9C46-C5FB7FB0CD81}"/>
               </a:ext>
             </a:extLst>
           </p:cNvPr>
@@ -11960,8 +12193,8 @@
         </p:nvSpPr>
         <p:spPr>
           <a:xfrm>
-            <a:off x="4711944" y="3475663"/>
-            <a:ext cx="2859314" cy="444500"/>
+            <a:off x="4711944" y="4339244"/>
+            <a:ext cx="2859314" cy="636637"/>
           </a:xfrm>
           <a:prstGeom prst="rect">
             <a:avLst/>
@@ -12032,7 +12265,7 @@
         </p:nvSpPr>
         <p:spPr>
           <a:xfrm>
-            <a:off x="4711944" y="4255441"/>
+            <a:off x="4711944" y="5311159"/>
             <a:ext cx="2859314" cy="373885"/>
           </a:xfrm>
           <a:prstGeom prst="rect">
@@ -12059,7 +12292,7 @@
                   </a:prstClr>
                 </a:solidFill>
               </a:rPr>
-              <a:t>ECLIPSE, MySQL</a:t>
+              <a:t>ECLIPSE</a:t>
             </a:r>
             <a:endParaRPr lang="ko-KR" altLang="en-US" sz="1000" dirty="0">
               <a:solidFill>
@@ -12080,8 +12313,8 @@
         </p:nvSpPr>
         <p:spPr>
           <a:xfrm flipH="1">
-            <a:off x="4711944" y="2181192"/>
-            <a:ext cx="2859314" cy="1596571"/>
+            <a:off x="4711944" y="2360816"/>
+            <a:ext cx="2859314" cy="2472666"/>
           </a:xfrm>
           <a:prstGeom prst="flowChartDocument">
             <a:avLst/>
@@ -12134,8 +12367,8 @@
         </p:nvSpPr>
         <p:spPr>
           <a:xfrm>
-            <a:off x="1040489" y="3475663"/>
-            <a:ext cx="2859314" cy="444500"/>
+            <a:off x="1040489" y="4339244"/>
+            <a:ext cx="2859314" cy="636637"/>
           </a:xfrm>
           <a:prstGeom prst="rect">
             <a:avLst/>
@@ -12198,7 +12431,7 @@
         </p:nvSpPr>
         <p:spPr>
           <a:xfrm>
-            <a:off x="1040489" y="4255441"/>
+            <a:off x="1040489" y="5311159"/>
             <a:ext cx="2859314" cy="415498"/>
           </a:xfrm>
           <a:prstGeom prst="rect">
@@ -12246,8 +12479,8 @@
         </p:nvSpPr>
         <p:spPr>
           <a:xfrm flipH="1">
-            <a:off x="1040489" y="2181192"/>
-            <a:ext cx="2859314" cy="1596571"/>
+            <a:off x="1040489" y="2360816"/>
+            <a:ext cx="2859314" cy="2472666"/>
           </a:xfrm>
           <a:prstGeom prst="flowChartDocument">
             <a:avLst/>
@@ -12300,8 +12533,8 @@
         </p:nvSpPr>
         <p:spPr>
           <a:xfrm>
-            <a:off x="8383399" y="3475663"/>
-            <a:ext cx="2859314" cy="444500"/>
+            <a:off x="8383399" y="4339244"/>
+            <a:ext cx="2859314" cy="636637"/>
           </a:xfrm>
           <a:prstGeom prst="rect">
             <a:avLst/>
@@ -12364,8 +12597,8 @@
         </p:nvSpPr>
         <p:spPr>
           <a:xfrm>
-            <a:off x="8383399" y="4255441"/>
-            <a:ext cx="2859314" cy="877163"/>
+            <a:off x="8383399" y="5311159"/>
+            <a:ext cx="2859314" cy="415498"/>
           </a:xfrm>
           <a:prstGeom prst="rect">
             <a:avLst/>
@@ -12383,7 +12616,7 @@
               </a:lnSpc>
             </a:pPr>
             <a:r>
-              <a:rPr lang="ko-KR" altLang="en-US" sz="1400" dirty="0" err="1">
+              <a:rPr lang="ko-KR" altLang="en-US" sz="1400" dirty="0" err="1" smtClean="0">
                 <a:solidFill>
                   <a:prstClr val="black">
                     <a:lumMod val="75000"/>
@@ -12391,10 +12624,10 @@
                   </a:prstClr>
                 </a:solidFill>
               </a:rPr>
-              <a:t>컨텐츠에</a:t>
+              <a:t>윤인성의</a:t>
             </a:r>
             <a:r>
-              <a:rPr lang="ko-KR" altLang="en-US" sz="1400" dirty="0">
+              <a:rPr lang="ko-KR" altLang="en-US" sz="1400" dirty="0" smtClean="0">
                 <a:solidFill>
                   <a:prstClr val="black">
                     <a:lumMod val="75000"/>
@@ -12402,9 +12635,31 @@
                   </a:prstClr>
                 </a:solidFill>
               </a:rPr>
-              <a:t> 대한 내용을 적어요</a:t>
+              <a:t> 열혈 </a:t>
             </a:r>
-            <a:endParaRPr lang="en-US" altLang="ko-KR" sz="1400" dirty="0">
+            <a:r>
+              <a:rPr lang="en-US" altLang="ko-KR" sz="1400" dirty="0" smtClean="0">
+                <a:solidFill>
+                  <a:prstClr val="black">
+                    <a:lumMod val="75000"/>
+                    <a:lumOff val="25000"/>
+                  </a:prstClr>
+                </a:solidFill>
+              </a:rPr>
+              <a:t>JAVA </a:t>
+            </a:r>
+            <a:r>
+              <a:rPr lang="ko-KR" altLang="en-US" sz="1400" dirty="0" smtClean="0">
+                <a:solidFill>
+                  <a:prstClr val="black">
+                    <a:lumMod val="75000"/>
+                    <a:lumOff val="25000"/>
+                  </a:prstClr>
+                </a:solidFill>
+              </a:rPr>
+              <a:t>프로그래밍</a:t>
+            </a:r>
+            <a:endParaRPr lang="ko-KR" altLang="en-US" sz="1000" dirty="0">
               <a:solidFill>
                 <a:prstClr val="black">
                   <a:lumMod val="75000"/>
@@ -12412,24 +12667,6 @@
                 </a:prstClr>
               </a:solidFill>
             </a:endParaRPr>
-          </a:p>
-          <a:p>
-            <a:pPr algn="ctr">
-              <a:lnSpc>
-                <a:spcPct val="150000"/>
-              </a:lnSpc>
-            </a:pPr>
-            <a:r>
-              <a:rPr lang="ko-KR" altLang="en-US" sz="1000" dirty="0">
-                <a:solidFill>
-                  <a:prstClr val="black">
-                    <a:lumMod val="75000"/>
-                    <a:lumOff val="25000"/>
-                  </a:prstClr>
-                </a:solidFill>
-              </a:rPr>
-              <a:t>Enjoy your stylish business and campus life with BIZCAM </a:t>
-            </a:r>
           </a:p>
         </p:txBody>
       </p:sp>
@@ -12441,8 +12678,8 @@
         </p:nvSpPr>
         <p:spPr>
           <a:xfrm flipH="1">
-            <a:off x="8383399" y="2181192"/>
-            <a:ext cx="2859314" cy="1596571"/>
+            <a:off x="8383399" y="2360816"/>
+            <a:ext cx="2859314" cy="2472666"/>
           </a:xfrm>
           <a:prstGeom prst="flowChartDocument">
             <a:avLst/>
@@ -12487,6 +12724,96 @@
           </a:p>
         </p:txBody>
       </p:sp>
+      <p:pic>
+        <p:nvPicPr>
+          <p:cNvPr id="8" name="그림 7"/>
+          <p:cNvPicPr>
+            <a:picLocks noChangeAspect="1"/>
+          </p:cNvPicPr>
+          <p:nvPr/>
+        </p:nvPicPr>
+        <p:blipFill>
+          <a:blip r:embed="rId2" cstate="print">
+            <a:extLst>
+              <a:ext uri="{28A0092B-C50C-407E-A947-70E740481C1C}">
+                <a14:useLocalDpi xmlns:a14="http://schemas.microsoft.com/office/drawing/2010/main" val="0"/>
+              </a:ext>
+            </a:extLst>
+          </a:blip>
+          <a:stretch>
+            <a:fillRect/>
+          </a:stretch>
+        </p:blipFill>
+        <p:spPr>
+          <a:xfrm>
+            <a:off x="1577783" y="2975957"/>
+            <a:ext cx="1784726" cy="1139336"/>
+          </a:xfrm>
+          <a:prstGeom prst="rect">
+            <a:avLst/>
+          </a:prstGeom>
+        </p:spPr>
+      </p:pic>
+      <p:pic>
+        <p:nvPicPr>
+          <p:cNvPr id="11" name="그림 10"/>
+          <p:cNvPicPr>
+            <a:picLocks noChangeAspect="1"/>
+          </p:cNvPicPr>
+          <p:nvPr/>
+        </p:nvPicPr>
+        <p:blipFill>
+          <a:blip r:embed="rId3">
+            <a:extLst>
+              <a:ext uri="{28A0092B-C50C-407E-A947-70E740481C1C}">
+                <a14:useLocalDpi xmlns:a14="http://schemas.microsoft.com/office/drawing/2010/main" val="0"/>
+              </a:ext>
+            </a:extLst>
+          </a:blip>
+          <a:stretch>
+            <a:fillRect/>
+          </a:stretch>
+        </p:blipFill>
+        <p:spPr>
+          <a:xfrm>
+            <a:off x="5070038" y="2975957"/>
+            <a:ext cx="2143125" cy="1139336"/>
+          </a:xfrm>
+          <a:prstGeom prst="rect">
+            <a:avLst/>
+          </a:prstGeom>
+        </p:spPr>
+      </p:pic>
+      <p:pic>
+        <p:nvPicPr>
+          <p:cNvPr id="12" name="그림 11"/>
+          <p:cNvPicPr>
+            <a:picLocks noChangeAspect="1"/>
+          </p:cNvPicPr>
+          <p:nvPr/>
+        </p:nvPicPr>
+        <p:blipFill>
+          <a:blip r:embed="rId4">
+            <a:extLst>
+              <a:ext uri="{28A0092B-C50C-407E-A947-70E740481C1C}">
+                <a14:useLocalDpi xmlns:a14="http://schemas.microsoft.com/office/drawing/2010/main" val="0"/>
+              </a:ext>
+            </a:extLst>
+          </a:blip>
+          <a:stretch>
+            <a:fillRect/>
+          </a:stretch>
+        </p:blipFill>
+        <p:spPr>
+          <a:xfrm>
+            <a:off x="9105348" y="2619652"/>
+            <a:ext cx="1415415" cy="1851945"/>
+          </a:xfrm>
+          <a:prstGeom prst="rect">
+            <a:avLst/>
+          </a:prstGeom>
+        </p:spPr>
+      </p:pic>
     </p:spTree>
     <p:extLst>
       <p:ext uri="{BB962C8B-B14F-4D97-AF65-F5344CB8AC3E}">
@@ -12508,6 +12835,150 @@
 </file>
 
 <file path=ppt/slides/slide4.xml><?xml version="1.0" encoding="utf-8"?>
+<p:sld xmlns:a="http://schemas.openxmlformats.org/drawingml/2006/main" xmlns:r="http://schemas.openxmlformats.org/officeDocument/2006/relationships" xmlns:p="http://schemas.openxmlformats.org/presentationml/2006/main">
+  <p:cSld>
+    <p:bg>
+      <p:bgPr>
+        <a:solidFill>
+          <a:srgbClr val="EFECE7"/>
+        </a:solidFill>
+        <a:effectLst/>
+      </p:bgPr>
+    </p:bg>
+    <p:spTree>
+      <p:nvGrpSpPr>
+        <p:cNvPr id="1" name=""/>
+        <p:cNvGrpSpPr/>
+        <p:nvPr/>
+      </p:nvGrpSpPr>
+      <p:grpSpPr>
+        <a:xfrm>
+          <a:off x="0" y="0"/>
+          <a:ext cx="0" cy="0"/>
+          <a:chOff x="0" y="0"/>
+          <a:chExt cx="0" cy="0"/>
+        </a:xfrm>
+      </p:grpSpPr>
+      <p:sp>
+        <p:nvSpPr>
+          <p:cNvPr id="10" name="직사각형 9"/>
+          <p:cNvSpPr/>
+          <p:nvPr/>
+        </p:nvSpPr>
+        <p:spPr>
+          <a:xfrm>
+            <a:off x="0" y="0"/>
+            <a:ext cx="12192000" cy="863600"/>
+          </a:xfrm>
+          <a:prstGeom prst="rect">
+            <a:avLst/>
+          </a:prstGeom>
+          <a:solidFill>
+            <a:schemeClr val="bg2">
+              <a:lumMod val="50000"/>
+            </a:schemeClr>
+          </a:solidFill>
+          <a:ln>
+            <a:noFill/>
+          </a:ln>
+          <a:effectLst>
+            <a:outerShdw dist="25400" dir="5400000" algn="t" rotWithShape="0">
+              <a:schemeClr val="bg1"/>
+            </a:outerShdw>
+          </a:effectLst>
+        </p:spPr>
+        <p:style>
+          <a:lnRef idx="2">
+            <a:schemeClr val="accent1">
+              <a:shade val="50000"/>
+            </a:schemeClr>
+          </a:lnRef>
+          <a:fillRef idx="1">
+            <a:schemeClr val="accent1"/>
+          </a:fillRef>
+          <a:effectRef idx="0">
+            <a:schemeClr val="accent1"/>
+          </a:effectRef>
+          <a:fontRef idx="minor">
+            <a:schemeClr val="lt1"/>
+          </a:fontRef>
+        </p:style>
+        <p:txBody>
+          <a:bodyPr rtlCol="0" anchor="ctr"/>
+          <a:lstStyle/>
+          <a:p>
+            <a:pPr algn="ctr" latinLnBrk="0">
+              <a:defRPr/>
+            </a:pPr>
+            <a:r>
+              <a:rPr lang="en-US" altLang="ko-KR" sz="2400" b="1" i="1" kern="0" dirty="0" smtClean="0">
+                <a:solidFill>
+                  <a:prstClr val="white"/>
+                </a:solidFill>
+              </a:rPr>
+              <a:t>JAVA MySQL </a:t>
+            </a:r>
+            <a:endParaRPr lang="en-US" altLang="ko-KR" sz="2400" b="1" i="1" kern="0" dirty="0">
+              <a:solidFill>
+                <a:prstClr val="white"/>
+              </a:solidFill>
+            </a:endParaRPr>
+          </a:p>
+          <a:p>
+            <a:pPr algn="ctr" latinLnBrk="0">
+              <a:defRPr/>
+            </a:pPr>
+            <a:r>
+              <a:rPr lang="en-US" altLang="ko-KR" sz="900" kern="0" dirty="0" smtClean="0">
+                <a:solidFill>
+                  <a:srgbClr val="E7E6E6">
+                    <a:lumMod val="75000"/>
+                  </a:srgbClr>
+                </a:solidFill>
+              </a:rPr>
+              <a:t>JAVA – MySQL </a:t>
+            </a:r>
+            <a:r>
+              <a:rPr lang="ko-KR" altLang="en-US" sz="900" kern="0" dirty="0" smtClean="0">
+                <a:solidFill>
+                  <a:srgbClr val="E7E6E6">
+                    <a:lumMod val="75000"/>
+                  </a:srgbClr>
+                </a:solidFill>
+              </a:rPr>
+              <a:t>연동 프로그램</a:t>
+            </a:r>
+            <a:endParaRPr lang="en-US" altLang="ko-KR" sz="1600" i="1" kern="0" dirty="0">
+              <a:solidFill>
+                <a:srgbClr val="E7E6E6">
+                  <a:lumMod val="75000"/>
+                </a:srgbClr>
+              </a:solidFill>
+            </a:endParaRPr>
+          </a:p>
+        </p:txBody>
+      </p:sp>
+    </p:spTree>
+    <p:extLst>
+      <p:ext uri="{BB962C8B-B14F-4D97-AF65-F5344CB8AC3E}">
+        <p14:creationId xmlns:p14="http://schemas.microsoft.com/office/powerpoint/2010/main" val="1949561863"/>
+      </p:ext>
+    </p:extLst>
+  </p:cSld>
+  <p:clrMapOvr>
+    <a:masterClrMapping/>
+  </p:clrMapOvr>
+  <p:timing>
+    <p:tnLst>
+      <p:par>
+        <p:cTn id="1" dur="indefinite" restart="never" nodeType="tmRoot"/>
+      </p:par>
+    </p:tnLst>
+  </p:timing>
+</p:sld>
+</file>
+
+<file path=ppt/slides/slide5.xml><?xml version="1.0" encoding="utf-8"?>
 <p:sld xmlns:a="http://schemas.openxmlformats.org/drawingml/2006/main" xmlns:r="http://schemas.openxmlformats.org/officeDocument/2006/relationships" xmlns:p="http://schemas.openxmlformats.org/presentationml/2006/main">
   <p:cSld>
     <p:bg>
@@ -12901,15 +13372,7 @@
                   <a:prstClr val="white"/>
                 </a:solidFill>
               </a:rPr>
-              <a:t>JAVA MySQL</a:t>
-            </a:r>
-            <a:r>
-              <a:rPr lang="en-US" altLang="ko-KR" sz="2400" b="1" i="1" kern="0" dirty="0" smtClean="0">
-                <a:solidFill>
-                  <a:prstClr val="white"/>
-                </a:solidFill>
-              </a:rPr>
-              <a:t> </a:t>
+              <a:t>JAVA MySQL </a:t>
             </a:r>
             <a:endParaRPr lang="en-US" altLang="ko-KR" sz="2400" b="1" i="1" kern="0" dirty="0">
               <a:solidFill>
@@ -12929,17 +13392,7 @@
                   </a:srgbClr>
                 </a:solidFill>
               </a:rPr>
-              <a:t>JAVA – </a:t>
-            </a:r>
-            <a:r>
-              <a:rPr lang="en-US" altLang="ko-KR" sz="900" kern="0" dirty="0" smtClean="0">
-                <a:solidFill>
-                  <a:srgbClr val="E7E6E6">
-                    <a:lumMod val="75000"/>
-                  </a:srgbClr>
-                </a:solidFill>
-              </a:rPr>
-              <a:t>MySQL </a:t>
+              <a:t>JAVA – MySQL </a:t>
             </a:r>
             <a:r>
               <a:rPr lang="ko-KR" altLang="en-US" sz="900" kern="0" dirty="0" smtClean="0">
@@ -12964,7 +13417,7 @@
     </p:spTree>
     <p:extLst>
       <p:ext uri="{BB962C8B-B14F-4D97-AF65-F5344CB8AC3E}">
-        <p14:creationId xmlns:p14="http://schemas.microsoft.com/office/powerpoint/2010/main" val="1949561863"/>
+        <p14:creationId xmlns:p14="http://schemas.microsoft.com/office/powerpoint/2010/main" val="2108589556"/>
       </p:ext>
     </p:extLst>
   </p:cSld>
@@ -12981,7 +13434,7 @@
 </p:sld>
 </file>
 
-<file path=ppt/slides/slide5.xml><?xml version="1.0" encoding="utf-8"?>
+<file path=ppt/slides/slide6.xml><?xml version="1.0" encoding="utf-8"?>
 <p:sld xmlns:a="http://schemas.openxmlformats.org/drawingml/2006/main" xmlns:r="http://schemas.openxmlformats.org/officeDocument/2006/relationships" xmlns:p="http://schemas.openxmlformats.org/presentationml/2006/main">
   <p:cSld>
     <p:bg>
@@ -13177,7 +13630,7 @@
           <p:cNvPr id="12" name="직사각형 11">
             <a:extLst>
               <a:ext uri="{FF2B5EF4-FFF2-40B4-BE49-F238E27FC236}">
-                <a16:creationId xmlns="" xmlns:a16="http://schemas.microsoft.com/office/drawing/2014/main" id="{3200555B-9154-42F8-8D1A-067BCC9C19EF}"/>
+                <a16:creationId xmlns:a16="http://schemas.microsoft.com/office/drawing/2014/main" id="{3200555B-9154-42F8-8D1A-067BCC9C19EF}"/>
               </a:ext>
             </a:extLst>
           </p:cNvPr>
@@ -13443,7 +13896,7 @@
 </p:sld>
 </file>
 
-<file path=ppt/slides/slide6.xml><?xml version="1.0" encoding="utf-8"?>
+<file path=ppt/slides/slide7.xml><?xml version="1.0" encoding="utf-8"?>
 <p:sld xmlns:a="http://schemas.openxmlformats.org/drawingml/2006/main" xmlns:r="http://schemas.openxmlformats.org/officeDocument/2006/relationships" xmlns:p="http://schemas.openxmlformats.org/presentationml/2006/main">
   <p:cSld>
     <p:bg>
@@ -14743,7 +15196,7 @@
 </p:sld>
 </file>
 
-<file path=ppt/slides/slide7.xml><?xml version="1.0" encoding="utf-8"?>
+<file path=ppt/slides/slide8.xml><?xml version="1.0" encoding="utf-8"?>
 <p:sld xmlns:a="http://schemas.openxmlformats.org/drawingml/2006/main" xmlns:r="http://schemas.openxmlformats.org/officeDocument/2006/relationships" xmlns:p="http://schemas.openxmlformats.org/presentationml/2006/main">
   <p:cSld>
     <p:bg>
@@ -14867,7 +15320,7 @@
           <p:cNvPr id="103" name="자유형 102">
             <a:extLst>
               <a:ext uri="{FF2B5EF4-FFF2-40B4-BE49-F238E27FC236}">
-                <a16:creationId xmlns="" xmlns:a16="http://schemas.microsoft.com/office/drawing/2014/main" id="{0363AEBC-2082-401A-B77D-2F120128FFEB}"/>
+                <a16:creationId xmlns:a16="http://schemas.microsoft.com/office/drawing/2014/main" id="{0363AEBC-2082-401A-B77D-2F120128FFEB}"/>
               </a:ext>
             </a:extLst>
           </p:cNvPr>
@@ -15121,7 +15574,7 @@
           <p:cNvPr id="63" name="직사각형 62">
             <a:extLst>
               <a:ext uri="{FF2B5EF4-FFF2-40B4-BE49-F238E27FC236}">
-                <a16:creationId xmlns="" xmlns:a16="http://schemas.microsoft.com/office/drawing/2014/main" id="{B615581C-E4AE-4D17-AD20-9E155AB8DB3D}"/>
+                <a16:creationId xmlns:a16="http://schemas.microsoft.com/office/drawing/2014/main" id="{B615581C-E4AE-4D17-AD20-9E155AB8DB3D}"/>
               </a:ext>
             </a:extLst>
           </p:cNvPr>
@@ -15211,7 +15664,7 @@
           <p:cNvPr id="64" name="Freeform 11">
             <a:extLst>
               <a:ext uri="{FF2B5EF4-FFF2-40B4-BE49-F238E27FC236}">
-                <a16:creationId xmlns="" xmlns:a16="http://schemas.microsoft.com/office/drawing/2014/main" id="{5D3B3173-3133-4055-B9BD-B77632B02347}"/>
+                <a16:creationId xmlns:a16="http://schemas.microsoft.com/office/drawing/2014/main" id="{5D3B3173-3133-4055-B9BD-B77632B02347}"/>
               </a:ext>
             </a:extLst>
           </p:cNvPr>
@@ -17076,7 +17529,7 @@
           <p:cNvPr id="65" name="직사각형 64">
             <a:extLst>
               <a:ext uri="{FF2B5EF4-FFF2-40B4-BE49-F238E27FC236}">
-                <a16:creationId xmlns="" xmlns:a16="http://schemas.microsoft.com/office/drawing/2014/main" id="{938DFDA8-2903-4BD6-BF9D-0E7C666CFB74}"/>
+                <a16:creationId xmlns:a16="http://schemas.microsoft.com/office/drawing/2014/main" id="{938DFDA8-2903-4BD6-BF9D-0E7C666CFB74}"/>
               </a:ext>
             </a:extLst>
           </p:cNvPr>
@@ -17122,7 +17575,7 @@
           <p:cNvPr id="83" name="직사각형 82">
             <a:extLst>
               <a:ext uri="{FF2B5EF4-FFF2-40B4-BE49-F238E27FC236}">
-                <a16:creationId xmlns="" xmlns:a16="http://schemas.microsoft.com/office/drawing/2014/main" id="{D6A5F738-AD21-4565-97AC-F9E9351A6405}"/>
+                <a16:creationId xmlns:a16="http://schemas.microsoft.com/office/drawing/2014/main" id="{D6A5F738-AD21-4565-97AC-F9E9351A6405}"/>
               </a:ext>
             </a:extLst>
           </p:cNvPr>
@@ -17178,7 +17631,7 @@
           <p:cNvPr id="84" name="원호 83">
             <a:extLst>
               <a:ext uri="{FF2B5EF4-FFF2-40B4-BE49-F238E27FC236}">
-                <a16:creationId xmlns="" xmlns:a16="http://schemas.microsoft.com/office/drawing/2014/main" id="{E2163613-3107-47E1-9C46-C5FB7FB0CD81}"/>
+                <a16:creationId xmlns:a16="http://schemas.microsoft.com/office/drawing/2014/main" id="{E2163613-3107-47E1-9C46-C5FB7FB0CD81}"/>
               </a:ext>
             </a:extLst>
           </p:cNvPr>
@@ -17234,7 +17687,7 @@
           <p:cNvPr id="102" name="자유형 101">
             <a:extLst>
               <a:ext uri="{FF2B5EF4-FFF2-40B4-BE49-F238E27FC236}">
-                <a16:creationId xmlns="" xmlns:a16="http://schemas.microsoft.com/office/drawing/2014/main" id="{0363AEBC-2082-401A-B77D-2F120128FFEB}"/>
+                <a16:creationId xmlns:a16="http://schemas.microsoft.com/office/drawing/2014/main" id="{0363AEBC-2082-401A-B77D-2F120128FFEB}"/>
               </a:ext>
             </a:extLst>
           </p:cNvPr>
@@ -17488,7 +17941,7 @@
           <p:cNvPr id="89" name="직사각형 88">
             <a:extLst>
               <a:ext uri="{FF2B5EF4-FFF2-40B4-BE49-F238E27FC236}">
-                <a16:creationId xmlns="" xmlns:a16="http://schemas.microsoft.com/office/drawing/2014/main" id="{B615581C-E4AE-4D17-AD20-9E155AB8DB3D}"/>
+                <a16:creationId xmlns:a16="http://schemas.microsoft.com/office/drawing/2014/main" id="{B615581C-E4AE-4D17-AD20-9E155AB8DB3D}"/>
               </a:ext>
             </a:extLst>
           </p:cNvPr>
@@ -17578,7 +18031,7 @@
           <p:cNvPr id="90" name="Freeform 11">
             <a:extLst>
               <a:ext uri="{FF2B5EF4-FFF2-40B4-BE49-F238E27FC236}">
-                <a16:creationId xmlns="" xmlns:a16="http://schemas.microsoft.com/office/drawing/2014/main" id="{5D3B3173-3133-4055-B9BD-B77632B02347}"/>
+                <a16:creationId xmlns:a16="http://schemas.microsoft.com/office/drawing/2014/main" id="{5D3B3173-3133-4055-B9BD-B77632B02347}"/>
               </a:ext>
             </a:extLst>
           </p:cNvPr>
@@ -19443,7 +19896,7 @@
           <p:cNvPr id="91" name="직사각형 90">
             <a:extLst>
               <a:ext uri="{FF2B5EF4-FFF2-40B4-BE49-F238E27FC236}">
-                <a16:creationId xmlns="" xmlns:a16="http://schemas.microsoft.com/office/drawing/2014/main" id="{938DFDA8-2903-4BD6-BF9D-0E7C666CFB74}"/>
+                <a16:creationId xmlns:a16="http://schemas.microsoft.com/office/drawing/2014/main" id="{938DFDA8-2903-4BD6-BF9D-0E7C666CFB74}"/>
               </a:ext>
             </a:extLst>
           </p:cNvPr>
@@ -19489,7 +19942,7 @@
           <p:cNvPr id="92" name="직사각형 91">
             <a:extLst>
               <a:ext uri="{FF2B5EF4-FFF2-40B4-BE49-F238E27FC236}">
-                <a16:creationId xmlns="" xmlns:a16="http://schemas.microsoft.com/office/drawing/2014/main" id="{D6A5F738-AD21-4565-97AC-F9E9351A6405}"/>
+                <a16:creationId xmlns:a16="http://schemas.microsoft.com/office/drawing/2014/main" id="{D6A5F738-AD21-4565-97AC-F9E9351A6405}"/>
               </a:ext>
             </a:extLst>
           </p:cNvPr>
@@ -19545,7 +19998,7 @@
           <p:cNvPr id="93" name="원호 92">
             <a:extLst>
               <a:ext uri="{FF2B5EF4-FFF2-40B4-BE49-F238E27FC236}">
-                <a16:creationId xmlns="" xmlns:a16="http://schemas.microsoft.com/office/drawing/2014/main" id="{E2163613-3107-47E1-9C46-C5FB7FB0CD81}"/>
+                <a16:creationId xmlns:a16="http://schemas.microsoft.com/office/drawing/2014/main" id="{E2163613-3107-47E1-9C46-C5FB7FB0CD81}"/>
               </a:ext>
             </a:extLst>
           </p:cNvPr>
@@ -19601,7 +20054,7 @@
           <p:cNvPr id="101" name="자유형 100">
             <a:extLst>
               <a:ext uri="{FF2B5EF4-FFF2-40B4-BE49-F238E27FC236}">
-                <a16:creationId xmlns="" xmlns:a16="http://schemas.microsoft.com/office/drawing/2014/main" id="{0363AEBC-2082-401A-B77D-2F120128FFEB}"/>
+                <a16:creationId xmlns:a16="http://schemas.microsoft.com/office/drawing/2014/main" id="{0363AEBC-2082-401A-B77D-2F120128FFEB}"/>
               </a:ext>
             </a:extLst>
           </p:cNvPr>
@@ -19857,7 +20310,7 @@
           <p:cNvPr id="96" name="직사각형 95">
             <a:extLst>
               <a:ext uri="{FF2B5EF4-FFF2-40B4-BE49-F238E27FC236}">
-                <a16:creationId xmlns="" xmlns:a16="http://schemas.microsoft.com/office/drawing/2014/main" id="{B615581C-E4AE-4D17-AD20-9E155AB8DB3D}"/>
+                <a16:creationId xmlns:a16="http://schemas.microsoft.com/office/drawing/2014/main" id="{B615581C-E4AE-4D17-AD20-9E155AB8DB3D}"/>
               </a:ext>
             </a:extLst>
           </p:cNvPr>
@@ -19947,7 +20400,7 @@
           <p:cNvPr id="97" name="Freeform 11">
             <a:extLst>
               <a:ext uri="{FF2B5EF4-FFF2-40B4-BE49-F238E27FC236}">
-                <a16:creationId xmlns="" xmlns:a16="http://schemas.microsoft.com/office/drawing/2014/main" id="{5D3B3173-3133-4055-B9BD-B77632B02347}"/>
+                <a16:creationId xmlns:a16="http://schemas.microsoft.com/office/drawing/2014/main" id="{5D3B3173-3133-4055-B9BD-B77632B02347}"/>
               </a:ext>
             </a:extLst>
           </p:cNvPr>
@@ -21812,7 +22265,7 @@
           <p:cNvPr id="98" name="직사각형 97">
             <a:extLst>
               <a:ext uri="{FF2B5EF4-FFF2-40B4-BE49-F238E27FC236}">
-                <a16:creationId xmlns="" xmlns:a16="http://schemas.microsoft.com/office/drawing/2014/main" id="{938DFDA8-2903-4BD6-BF9D-0E7C666CFB74}"/>
+                <a16:creationId xmlns:a16="http://schemas.microsoft.com/office/drawing/2014/main" id="{938DFDA8-2903-4BD6-BF9D-0E7C666CFB74}"/>
               </a:ext>
             </a:extLst>
           </p:cNvPr>
@@ -21858,7 +22311,7 @@
           <p:cNvPr id="99" name="직사각형 98">
             <a:extLst>
               <a:ext uri="{FF2B5EF4-FFF2-40B4-BE49-F238E27FC236}">
-                <a16:creationId xmlns="" xmlns:a16="http://schemas.microsoft.com/office/drawing/2014/main" id="{D6A5F738-AD21-4565-97AC-F9E9351A6405}"/>
+                <a16:creationId xmlns:a16="http://schemas.microsoft.com/office/drawing/2014/main" id="{D6A5F738-AD21-4565-97AC-F9E9351A6405}"/>
               </a:ext>
             </a:extLst>
           </p:cNvPr>
@@ -21914,7 +22367,7 @@
           <p:cNvPr id="100" name="원호 99">
             <a:extLst>
               <a:ext uri="{FF2B5EF4-FFF2-40B4-BE49-F238E27FC236}">
-                <a16:creationId xmlns="" xmlns:a16="http://schemas.microsoft.com/office/drawing/2014/main" id="{E2163613-3107-47E1-9C46-C5FB7FB0CD81}"/>
+                <a16:creationId xmlns:a16="http://schemas.microsoft.com/office/drawing/2014/main" id="{E2163613-3107-47E1-9C46-C5FB7FB0CD81}"/>
               </a:ext>
             </a:extLst>
           </p:cNvPr>
@@ -21985,7 +22438,7 @@
 </p:sld>
 </file>
 
-<file path=ppt/slides/slide8.xml><?xml version="1.0" encoding="utf-8"?>
+<file path=ppt/slides/slide9.xml><?xml version="1.0" encoding="utf-8"?>
 <p:sld xmlns:a="http://schemas.openxmlformats.org/drawingml/2006/main" xmlns:r="http://schemas.openxmlformats.org/officeDocument/2006/relationships" xmlns:p="http://schemas.openxmlformats.org/presentationml/2006/main">
   <p:cSld>
     <p:bg>
@@ -22778,193 +23231,6 @@
 </p:sld>
 </file>
 
-<file path=ppt/slides/slide9.xml><?xml version="1.0" encoding="utf-8"?>
-<p:sld xmlns:a="http://schemas.openxmlformats.org/drawingml/2006/main" xmlns:r="http://schemas.openxmlformats.org/officeDocument/2006/relationships" xmlns:p="http://schemas.openxmlformats.org/presentationml/2006/main">
-  <p:cSld>
-    <p:bg>
-      <p:bgPr>
-        <a:solidFill>
-          <a:srgbClr val="EFECE7"/>
-        </a:solidFill>
-        <a:effectLst/>
-      </p:bgPr>
-    </p:bg>
-    <p:spTree>
-      <p:nvGrpSpPr>
-        <p:cNvPr id="1" name=""/>
-        <p:cNvGrpSpPr/>
-        <p:nvPr/>
-      </p:nvGrpSpPr>
-      <p:grpSpPr>
-        <a:xfrm>
-          <a:off x="0" y="0"/>
-          <a:ext cx="0" cy="0"/>
-          <a:chOff x="0" y="0"/>
-          <a:chExt cx="0" cy="0"/>
-        </a:xfrm>
-      </p:grpSpPr>
-      <p:sp>
-        <p:nvSpPr>
-          <p:cNvPr id="10" name="직사각형 9"/>
-          <p:cNvSpPr/>
-          <p:nvPr/>
-        </p:nvSpPr>
-        <p:spPr>
-          <a:xfrm>
-            <a:off x="0" y="0"/>
-            <a:ext cx="12192000" cy="863600"/>
-          </a:xfrm>
-          <a:prstGeom prst="rect">
-            <a:avLst/>
-          </a:prstGeom>
-          <a:solidFill>
-            <a:schemeClr val="bg2">
-              <a:lumMod val="50000"/>
-            </a:schemeClr>
-          </a:solidFill>
-          <a:ln>
-            <a:noFill/>
-          </a:ln>
-          <a:effectLst>
-            <a:outerShdw dist="25400" dir="5400000" algn="t" rotWithShape="0">
-              <a:schemeClr val="bg1"/>
-            </a:outerShdw>
-          </a:effectLst>
-        </p:spPr>
-        <p:style>
-          <a:lnRef idx="2">
-            <a:schemeClr val="accent1">
-              <a:shade val="50000"/>
-            </a:schemeClr>
-          </a:lnRef>
-          <a:fillRef idx="1">
-            <a:schemeClr val="accent1"/>
-          </a:fillRef>
-          <a:effectRef idx="0">
-            <a:schemeClr val="accent1"/>
-          </a:effectRef>
-          <a:fontRef idx="minor">
-            <a:schemeClr val="lt1"/>
-          </a:fontRef>
-        </p:style>
-        <p:txBody>
-          <a:bodyPr rtlCol="0" anchor="ctr"/>
-          <a:lstStyle/>
-          <a:p>
-            <a:pPr algn="ctr" latinLnBrk="0">
-              <a:defRPr/>
-            </a:pPr>
-            <a:r>
-              <a:rPr lang="en-US" altLang="ko-KR" sz="2400" b="1" i="1" kern="0" dirty="0">
-                <a:solidFill>
-                  <a:prstClr val="white"/>
-                </a:solidFill>
-              </a:rPr>
-              <a:t>JAVA MySQL </a:t>
-            </a:r>
-          </a:p>
-          <a:p>
-            <a:pPr algn="ctr" latinLnBrk="0">
-              <a:defRPr/>
-            </a:pPr>
-            <a:r>
-              <a:rPr lang="en-US" altLang="ko-KR" sz="900" kern="0" dirty="0">
-                <a:solidFill>
-                  <a:srgbClr val="E7E6E6">
-                    <a:lumMod val="75000"/>
-                  </a:srgbClr>
-                </a:solidFill>
-              </a:rPr>
-              <a:t>JAVA – MySQL </a:t>
-            </a:r>
-            <a:r>
-              <a:rPr lang="ko-KR" altLang="en-US" sz="900" kern="0" dirty="0">
-                <a:solidFill>
-                  <a:srgbClr val="E7E6E6">
-                    <a:lumMod val="75000"/>
-                  </a:srgbClr>
-                </a:solidFill>
-              </a:rPr>
-              <a:t>연동 프로그램</a:t>
-            </a:r>
-            <a:endParaRPr lang="en-US" altLang="ko-KR" sz="1600" i="1" kern="0" dirty="0">
-              <a:solidFill>
-                <a:srgbClr val="E7E6E6">
-                  <a:lumMod val="75000"/>
-                </a:srgbClr>
-              </a:solidFill>
-            </a:endParaRPr>
-          </a:p>
-        </p:txBody>
-      </p:sp>
-      <p:sp>
-        <p:nvSpPr>
-          <p:cNvPr id="2" name="TextBox 1"/>
-          <p:cNvSpPr txBox="1"/>
-          <p:nvPr/>
-        </p:nvSpPr>
-        <p:spPr>
-          <a:xfrm>
-            <a:off x="2563031" y="2644170"/>
-            <a:ext cx="7065937" cy="1569660"/>
-          </a:xfrm>
-          <a:prstGeom prst="rect">
-            <a:avLst/>
-          </a:prstGeom>
-          <a:noFill/>
-        </p:spPr>
-        <p:txBody>
-          <a:bodyPr wrap="square" rtlCol="0">
-            <a:spAutoFit/>
-          </a:bodyPr>
-          <a:lstStyle/>
-          <a:p>
-            <a:r>
-              <a:rPr lang="ko-KR" altLang="en-US" sz="9600" b="1" i="1" dirty="0" smtClean="0">
-                <a:solidFill>
-                  <a:prstClr val="black">
-                    <a:lumMod val="65000"/>
-                    <a:lumOff val="35000"/>
-                  </a:prstClr>
-                </a:solidFill>
-              </a:rPr>
-              <a:t>감사합니다</a:t>
-            </a:r>
-            <a:r>
-              <a:rPr lang="en-US" altLang="ko-KR" sz="9600" b="1" i="1" dirty="0" smtClean="0">
-                <a:solidFill>
-                  <a:prstClr val="black">
-                    <a:lumMod val="65000"/>
-                    <a:lumOff val="35000"/>
-                  </a:prstClr>
-                </a:solidFill>
-              </a:rPr>
-              <a:t>.</a:t>
-            </a:r>
-            <a:endParaRPr lang="ko-KR" altLang="en-US" sz="9600" i="1" dirty="0"/>
-          </a:p>
-        </p:txBody>
-      </p:sp>
-    </p:spTree>
-    <p:extLst>
-      <p:ext uri="{BB962C8B-B14F-4D97-AF65-F5344CB8AC3E}">
-        <p14:creationId xmlns:p14="http://schemas.microsoft.com/office/powerpoint/2010/main" val="4063154724"/>
-      </p:ext>
-    </p:extLst>
-  </p:cSld>
-  <p:clrMapOvr>
-    <a:masterClrMapping/>
-  </p:clrMapOvr>
-  <p:timing>
-    <p:tnLst>
-      <p:par>
-        <p:cTn id="1" dur="indefinite" restart="never" nodeType="tmRoot"/>
-      </p:par>
-    </p:tnLst>
-  </p:timing>
-</p:sld>
-</file>
-
 <file path=ppt/theme/theme1.xml><?xml version="1.0" encoding="utf-8"?>
 <a:theme xmlns:a="http://schemas.openxmlformats.org/drawingml/2006/main" name="32_Office 테마">
   <a:themeElements>
@@ -23254,7 +23520,7 @@
   <a:extraClrSchemeLst/>
   <a:extLst>
     <a:ext uri="{05A4C25C-085E-4340-85A3-A5531E510DB2}">
-      <thm15:themeFamily xmlns:thm15="http://schemas.microsoft.com/office/thememl/2012/main" xmlns="" name="Office Theme" id="{62F939B6-93AF-4DB8-9C6B-D6C7DFDC589F}" vid="{4A3C46E8-61CC-4603-A589-7422A47A8E4A}"/>
+      <thm15:themeFamily xmlns:thm15="http://schemas.microsoft.com/office/thememl/2012/main" name="Office Theme" id="{62F939B6-93AF-4DB8-9C6B-D6C7DFDC589F}" vid="{4A3C46E8-61CC-4603-A589-7422A47A8E4A}"/>
     </a:ext>
   </a:extLst>
 </a:theme>
